--- a/Presentation/cave.pptx
+++ b/Presentation/cave.pptx
@@ -104,6 +104,11 @@
       </a:defRPr>
     </a:lvl9pPr>
   </p:defaultTextStyle>
+  <p:extLst>
+    <p:ext uri="{EFAFB233-063F-42B5-8137-9DF3F51BA10A}">
+      <p15:sldGuideLst xmlns:p15="http://schemas.microsoft.com/office/powerpoint/2012/main"/>
+    </p:ext>
+  </p:extLst>
 </p:presentation>
 </file>
 
@@ -256,7 +261,7 @@
           <a:p>
             <a:fld id="{44C0ED01-9D76-44BA-B130-10E02C6AC787}" type="datetimeFigureOut">
               <a:rPr lang="en-GB" smtClean="0"/>
-              <a:t>20/04/2024</a:t>
+              <a:t>21/04/2024</a:t>
             </a:fld>
             <a:endParaRPr lang="en-GB"/>
           </a:p>
@@ -456,7 +461,7 @@
           <a:p>
             <a:fld id="{44C0ED01-9D76-44BA-B130-10E02C6AC787}" type="datetimeFigureOut">
               <a:rPr lang="en-GB" smtClean="0"/>
-              <a:t>20/04/2024</a:t>
+              <a:t>21/04/2024</a:t>
             </a:fld>
             <a:endParaRPr lang="en-GB"/>
           </a:p>
@@ -666,7 +671,7 @@
           <a:p>
             <a:fld id="{44C0ED01-9D76-44BA-B130-10E02C6AC787}" type="datetimeFigureOut">
               <a:rPr lang="en-GB" smtClean="0"/>
-              <a:t>20/04/2024</a:t>
+              <a:t>21/04/2024</a:t>
             </a:fld>
             <a:endParaRPr lang="en-GB"/>
           </a:p>
@@ -866,7 +871,7 @@
           <a:p>
             <a:fld id="{44C0ED01-9D76-44BA-B130-10E02C6AC787}" type="datetimeFigureOut">
               <a:rPr lang="en-GB" smtClean="0"/>
-              <a:t>20/04/2024</a:t>
+              <a:t>21/04/2024</a:t>
             </a:fld>
             <a:endParaRPr lang="en-GB"/>
           </a:p>
@@ -1142,7 +1147,7 @@
           <a:p>
             <a:fld id="{44C0ED01-9D76-44BA-B130-10E02C6AC787}" type="datetimeFigureOut">
               <a:rPr lang="en-GB" smtClean="0"/>
-              <a:t>20/04/2024</a:t>
+              <a:t>21/04/2024</a:t>
             </a:fld>
             <a:endParaRPr lang="en-GB"/>
           </a:p>
@@ -1410,7 +1415,7 @@
           <a:p>
             <a:fld id="{44C0ED01-9D76-44BA-B130-10E02C6AC787}" type="datetimeFigureOut">
               <a:rPr lang="en-GB" smtClean="0"/>
-              <a:t>20/04/2024</a:t>
+              <a:t>21/04/2024</a:t>
             </a:fld>
             <a:endParaRPr lang="en-GB"/>
           </a:p>
@@ -1825,7 +1830,7 @@
           <a:p>
             <a:fld id="{44C0ED01-9D76-44BA-B130-10E02C6AC787}" type="datetimeFigureOut">
               <a:rPr lang="en-GB" smtClean="0"/>
-              <a:t>20/04/2024</a:t>
+              <a:t>21/04/2024</a:t>
             </a:fld>
             <a:endParaRPr lang="en-GB"/>
           </a:p>
@@ -1967,7 +1972,7 @@
           <a:p>
             <a:fld id="{44C0ED01-9D76-44BA-B130-10E02C6AC787}" type="datetimeFigureOut">
               <a:rPr lang="en-GB" smtClean="0"/>
-              <a:t>20/04/2024</a:t>
+              <a:t>21/04/2024</a:t>
             </a:fld>
             <a:endParaRPr lang="en-GB"/>
           </a:p>
@@ -2080,7 +2085,7 @@
           <a:p>
             <a:fld id="{44C0ED01-9D76-44BA-B130-10E02C6AC787}" type="datetimeFigureOut">
               <a:rPr lang="en-GB" smtClean="0"/>
-              <a:t>20/04/2024</a:t>
+              <a:t>21/04/2024</a:t>
             </a:fld>
             <a:endParaRPr lang="en-GB"/>
           </a:p>
@@ -2393,7 +2398,7 @@
           <a:p>
             <a:fld id="{44C0ED01-9D76-44BA-B130-10E02C6AC787}" type="datetimeFigureOut">
               <a:rPr lang="en-GB" smtClean="0"/>
-              <a:t>20/04/2024</a:t>
+              <a:t>21/04/2024</a:t>
             </a:fld>
             <a:endParaRPr lang="en-GB"/>
           </a:p>
@@ -2682,7 +2687,7 @@
           <a:p>
             <a:fld id="{44C0ED01-9D76-44BA-B130-10E02C6AC787}" type="datetimeFigureOut">
               <a:rPr lang="en-GB" smtClean="0"/>
-              <a:t>20/04/2024</a:t>
+              <a:t>21/04/2024</a:t>
             </a:fld>
             <a:endParaRPr lang="en-GB"/>
           </a:p>
@@ -2925,7 +2930,7 @@
           <a:p>
             <a:fld id="{44C0ED01-9D76-44BA-B130-10E02C6AC787}" type="datetimeFigureOut">
               <a:rPr lang="en-GB" smtClean="0"/>
-              <a:t>20/04/2024</a:t>
+              <a:t>21/04/2024</a:t>
             </a:fld>
             <a:endParaRPr lang="en-GB"/>
           </a:p>
@@ -3328,6 +3333,32 @@
 <file path=ppt/slides/slide1.xml><?xml version="1.0" encoding="utf-8"?>
 <p:sld xmlns:a="http://schemas.openxmlformats.org/drawingml/2006/main" xmlns:r="http://schemas.openxmlformats.org/officeDocument/2006/relationships" xmlns:p="http://schemas.openxmlformats.org/presentationml/2006/main">
   <p:cSld>
+    <p:bg>
+      <p:bgPr>
+        <a:gradFill>
+          <a:gsLst>
+            <a:gs pos="86000">
+              <a:schemeClr val="accent1">
+                <a:lumMod val="75000"/>
+              </a:schemeClr>
+            </a:gs>
+            <a:gs pos="58000">
+              <a:schemeClr val="accent1">
+                <a:lumMod val="50000"/>
+              </a:schemeClr>
+            </a:gs>
+            <a:gs pos="100000">
+              <a:schemeClr val="accent1">
+                <a:lumMod val="60000"/>
+                <a:lumOff val="40000"/>
+              </a:schemeClr>
+            </a:gs>
+          </a:gsLst>
+          <a:lin ang="5400000" scaled="1"/>
+        </a:gradFill>
+        <a:effectLst/>
+      </p:bgPr>
+    </p:bg>
     <p:spTree>
       <p:nvGrpSpPr>
         <p:cNvPr id="1" name=""/>
@@ -3344,51 +3375,641 @@
       </p:grpSpPr>
       <p:sp>
         <p:nvSpPr>
-          <p:cNvPr id="2" name="Title 1">
-            <a:extLst>
-              <a:ext uri="{FF2B5EF4-FFF2-40B4-BE49-F238E27FC236}">
-                <a16:creationId xmlns:a16="http://schemas.microsoft.com/office/drawing/2014/main" id="{72BF6E57-7F32-4FBC-AEBF-61BAD9239AAB}"/>
-              </a:ext>
-            </a:extLst>
-          </p:cNvPr>
-          <p:cNvSpPr>
-            <a:spLocks noGrp="1"/>
-          </p:cNvSpPr>
-          <p:nvPr>
-            <p:ph type="ctrTitle"/>
-          </p:nvPr>
-        </p:nvSpPr>
-        <p:spPr/>
-        <p:txBody>
-          <a:bodyPr/>
-          <a:lstStyle/>
-          <a:p>
-            <a:endParaRPr lang="en-GB"/>
-          </a:p>
-        </p:txBody>
-      </p:sp>
-      <p:sp>
-        <p:nvSpPr>
-          <p:cNvPr id="3" name="Subtitle 2">
-            <a:extLst>
-              <a:ext uri="{FF2B5EF4-FFF2-40B4-BE49-F238E27FC236}">
-                <a16:creationId xmlns:a16="http://schemas.microsoft.com/office/drawing/2014/main" id="{AC85D51B-5F29-4572-A4F1-B4077F009647}"/>
-              </a:ext>
-            </a:extLst>
-          </p:cNvPr>
-          <p:cNvSpPr>
-            <a:spLocks noGrp="1"/>
-          </p:cNvSpPr>
-          <p:nvPr>
-            <p:ph type="subTitle" idx="1"/>
-          </p:nvPr>
-        </p:nvSpPr>
-        <p:spPr/>
-        <p:txBody>
-          <a:bodyPr/>
-          <a:lstStyle/>
-          <a:p>
-            <a:endParaRPr lang="en-GB"/>
+          <p:cNvPr id="18" name="Freeform: Shape 17">
+            <a:extLst>
+              <a:ext uri="{FF2B5EF4-FFF2-40B4-BE49-F238E27FC236}">
+                <a16:creationId xmlns:a16="http://schemas.microsoft.com/office/drawing/2014/main" id="{CFBDC640-52FA-44A8-A712-903930F72C26}"/>
+              </a:ext>
+            </a:extLst>
+          </p:cNvPr>
+          <p:cNvSpPr/>
+          <p:nvPr/>
+        </p:nvSpPr>
+        <p:spPr>
+          <a:xfrm rot="2819801">
+            <a:off x="4616439" y="-1120390"/>
+            <a:ext cx="9716622" cy="7790540"/>
+          </a:xfrm>
+          <a:custGeom>
+            <a:avLst/>
+            <a:gdLst>
+              <a:gd name="connsiteX0" fmla="*/ 8266027 w 9716622"/>
+              <a:gd name="connsiteY0" fmla="*/ 4080486 h 7790540"/>
+              <a:gd name="connsiteX1" fmla="*/ 8779555 w 9716622"/>
+              <a:gd name="connsiteY1" fmla="*/ 3836204 h 7790540"/>
+              <a:gd name="connsiteX2" fmla="*/ 8838187 w 9716622"/>
+              <a:gd name="connsiteY2" fmla="*/ 3833243 h 7790540"/>
+              <a:gd name="connsiteX3" fmla="*/ 9713470 w 9716622"/>
+              <a:gd name="connsiteY3" fmla="*/ 4649552 h 7790540"/>
+              <a:gd name="connsiteX4" fmla="*/ 9716622 w 9716622"/>
+              <a:gd name="connsiteY4" fmla="*/ 4680819 h 7790540"/>
+              <a:gd name="connsiteX5" fmla="*/ 9716621 w 9716622"/>
+              <a:gd name="connsiteY5" fmla="*/ 4680819 h 7790540"/>
+              <a:gd name="connsiteX6" fmla="*/ 9715270 w 9716622"/>
+              <a:gd name="connsiteY6" fmla="*/ 4707562 h 7790540"/>
+              <a:gd name="connsiteX7" fmla="*/ 8952409 w 9716622"/>
+              <a:gd name="connsiteY7" fmla="*/ 5525537 h 7790540"/>
+              <a:gd name="connsiteX8" fmla="*/ 8867622 w 9716622"/>
+              <a:gd name="connsiteY8" fmla="*/ 5529818 h 7790540"/>
+              <a:gd name="connsiteX9" fmla="*/ 8866360 w 9716622"/>
+              <a:gd name="connsiteY9" fmla="*/ 5529817 h 7790540"/>
+              <a:gd name="connsiteX10" fmla="*/ 8021744 w 9716622"/>
+              <a:gd name="connsiteY10" fmla="*/ 4767623 h 7790540"/>
+              <a:gd name="connsiteX11" fmla="*/ 8017361 w 9716622"/>
+              <a:gd name="connsiteY11" fmla="*/ 4680819 h 7790540"/>
+              <a:gd name="connsiteX12" fmla="*/ 8034610 w 9716622"/>
+              <a:gd name="connsiteY12" fmla="*/ 4509716 h 7790540"/>
+              <a:gd name="connsiteX13" fmla="*/ 8266027 w 9716622"/>
+              <a:gd name="connsiteY13" fmla="*/ 4080486 h 7790540"/>
+              <a:gd name="connsiteX14" fmla="*/ 4186985 w 9716622"/>
+              <a:gd name="connsiteY14" fmla="*/ 5286723 h 7790540"/>
+              <a:gd name="connsiteX15" fmla="*/ 4787764 w 9716622"/>
+              <a:gd name="connsiteY15" fmla="*/ 5037873 h 7790540"/>
+              <a:gd name="connsiteX16" fmla="*/ 5637394 w 9716622"/>
+              <a:gd name="connsiteY16" fmla="*/ 5887502 h 7790540"/>
+              <a:gd name="connsiteX17" fmla="*/ 5637394 w 9716622"/>
+              <a:gd name="connsiteY17" fmla="*/ 6838123 h 7790540"/>
+              <a:gd name="connsiteX18" fmla="*/ 4787764 w 9716622"/>
+              <a:gd name="connsiteY18" fmla="*/ 7687752 h 7790540"/>
+              <a:gd name="connsiteX19" fmla="*/ 3938134 w 9716622"/>
+              <a:gd name="connsiteY19" fmla="*/ 6838122 h 7790540"/>
+              <a:gd name="connsiteX20" fmla="*/ 3938134 w 9716622"/>
+              <a:gd name="connsiteY20" fmla="*/ 5887502 h 7790540"/>
+              <a:gd name="connsiteX21" fmla="*/ 4186985 w 9716622"/>
+              <a:gd name="connsiteY21" fmla="*/ 5286723 h 7790540"/>
+              <a:gd name="connsiteX22" fmla="*/ 6006308 w 9716622"/>
+              <a:gd name="connsiteY22" fmla="*/ 1192166 h 7790540"/>
+              <a:gd name="connsiteX23" fmla="*/ 7705568 w 9716622"/>
+              <a:gd name="connsiteY23" fmla="*/ 2776936 h 7790540"/>
+              <a:gd name="connsiteX24" fmla="*/ 7705568 w 9716622"/>
+              <a:gd name="connsiteY24" fmla="*/ 6862454 h 7790540"/>
+              <a:gd name="connsiteX25" fmla="*/ 6840014 w 9716622"/>
+              <a:gd name="connsiteY25" fmla="*/ 7790540 h 7790540"/>
+              <a:gd name="connsiteX26" fmla="*/ 6684708 w 9716622"/>
+              <a:gd name="connsiteY26" fmla="*/ 7774884 h 7790540"/>
+              <a:gd name="connsiteX27" fmla="*/ 6006308 w 9716622"/>
+              <a:gd name="connsiteY27" fmla="*/ 6942515 h 7790540"/>
+              <a:gd name="connsiteX28" fmla="*/ 2171961 w 9716622"/>
+              <a:gd name="connsiteY28" fmla="*/ 4648778 h 7790540"/>
+              <a:gd name="connsiteX29" fmla="*/ 2772293 w 9716622"/>
+              <a:gd name="connsiteY29" fmla="*/ 4400112 h 7790540"/>
+              <a:gd name="connsiteX30" fmla="*/ 2773557 w 9716622"/>
+              <a:gd name="connsiteY30" fmla="*/ 4400111 h 7790540"/>
+              <a:gd name="connsiteX31" fmla="*/ 3622556 w 9716622"/>
+              <a:gd name="connsiteY31" fmla="*/ 5249110 h 7790540"/>
+              <a:gd name="connsiteX32" fmla="*/ 3622554 w 9716622"/>
+              <a:gd name="connsiteY32" fmla="*/ 5249110 h 7790540"/>
+              <a:gd name="connsiteX33" fmla="*/ 2773555 w 9716622"/>
+              <a:gd name="connsiteY33" fmla="*/ 6098109 h 7790540"/>
+              <a:gd name="connsiteX34" fmla="*/ 2772293 w 9716622"/>
+              <a:gd name="connsiteY34" fmla="*/ 6098108 h 7790540"/>
+              <a:gd name="connsiteX35" fmla="*/ 1927678 w 9716622"/>
+              <a:gd name="connsiteY35" fmla="*/ 5335915 h 7790540"/>
+              <a:gd name="connsiteX36" fmla="*/ 1923295 w 9716622"/>
+              <a:gd name="connsiteY36" fmla="*/ 5249110 h 7790540"/>
+              <a:gd name="connsiteX37" fmla="*/ 1940544 w 9716622"/>
+              <a:gd name="connsiteY37" fmla="*/ 5078008 h 7790540"/>
+              <a:gd name="connsiteX38" fmla="*/ 2171961 w 9716622"/>
+              <a:gd name="connsiteY38" fmla="*/ 4648778 h 7790540"/>
+              <a:gd name="connsiteX39" fmla="*/ 3991646 w 9716622"/>
+              <a:gd name="connsiteY39" fmla="*/ 789567 h 7790540"/>
+              <a:gd name="connsiteX40" fmla="*/ 4728015 w 9716622"/>
+              <a:gd name="connsiteY40" fmla="*/ 0 h 7790540"/>
+              <a:gd name="connsiteX41" fmla="*/ 5690905 w 9716622"/>
+              <a:gd name="connsiteY41" fmla="*/ 898014 h 7790540"/>
+              <a:gd name="connsiteX42" fmla="*/ 5690905 w 9716622"/>
+              <a:gd name="connsiteY42" fmla="*/ 3943786 h 7790540"/>
+              <a:gd name="connsiteX43" fmla="*/ 4841275 w 9716622"/>
+              <a:gd name="connsiteY43" fmla="*/ 4793416 h 7790540"/>
+              <a:gd name="connsiteX44" fmla="*/ 3991646 w 9716622"/>
+              <a:gd name="connsiteY44" fmla="*/ 3943787 h 7790540"/>
+              <a:gd name="connsiteX45" fmla="*/ 1894189 w 9716622"/>
+              <a:gd name="connsiteY45" fmla="*/ 3038554 h 7790540"/>
+              <a:gd name="connsiteX46" fmla="*/ 3593448 w 9716622"/>
+              <a:gd name="connsiteY46" fmla="*/ 1216533 h 7790540"/>
+              <a:gd name="connsiteX47" fmla="*/ 3593448 w 9716622"/>
+              <a:gd name="connsiteY47" fmla="*/ 3165064 h 7790540"/>
+              <a:gd name="connsiteX48" fmla="*/ 2743819 w 9716622"/>
+              <a:gd name="connsiteY48" fmla="*/ 4014694 h 7790540"/>
+              <a:gd name="connsiteX49" fmla="*/ 1894189 w 9716622"/>
+              <a:gd name="connsiteY49" fmla="*/ 3165064 h 7790540"/>
+              <a:gd name="connsiteX50" fmla="*/ 0 w 9716622"/>
+              <a:gd name="connsiteY50" fmla="*/ 5069587 h 7790540"/>
+              <a:gd name="connsiteX51" fmla="*/ 1699260 w 9716622"/>
+              <a:gd name="connsiteY51" fmla="*/ 3247566 h 7790540"/>
+              <a:gd name="connsiteX52" fmla="*/ 1699260 w 9716622"/>
+              <a:gd name="connsiteY52" fmla="*/ 6751545 h 7790540"/>
+              <a:gd name="connsiteX53" fmla="*/ 849630 w 9716622"/>
+              <a:gd name="connsiteY53" fmla="*/ 7601176 h 7790540"/>
+              <a:gd name="connsiteX54" fmla="*/ 0 w 9716622"/>
+              <a:gd name="connsiteY54" fmla="*/ 6751545 h 7790540"/>
+            </a:gdLst>
+            <a:ahLst/>
+            <a:cxnLst>
+              <a:cxn ang="0">
+                <a:pos x="connsiteX0" y="connsiteY0"/>
+              </a:cxn>
+              <a:cxn ang="0">
+                <a:pos x="connsiteX1" y="connsiteY1"/>
+              </a:cxn>
+              <a:cxn ang="0">
+                <a:pos x="connsiteX2" y="connsiteY2"/>
+              </a:cxn>
+              <a:cxn ang="0">
+                <a:pos x="connsiteX3" y="connsiteY3"/>
+              </a:cxn>
+              <a:cxn ang="0">
+                <a:pos x="connsiteX4" y="connsiteY4"/>
+              </a:cxn>
+              <a:cxn ang="0">
+                <a:pos x="connsiteX5" y="connsiteY5"/>
+              </a:cxn>
+              <a:cxn ang="0">
+                <a:pos x="connsiteX6" y="connsiteY6"/>
+              </a:cxn>
+              <a:cxn ang="0">
+                <a:pos x="connsiteX7" y="connsiteY7"/>
+              </a:cxn>
+              <a:cxn ang="0">
+                <a:pos x="connsiteX8" y="connsiteY8"/>
+              </a:cxn>
+              <a:cxn ang="0">
+                <a:pos x="connsiteX9" y="connsiteY9"/>
+              </a:cxn>
+              <a:cxn ang="0">
+                <a:pos x="connsiteX10" y="connsiteY10"/>
+              </a:cxn>
+              <a:cxn ang="0">
+                <a:pos x="connsiteX11" y="connsiteY11"/>
+              </a:cxn>
+              <a:cxn ang="0">
+                <a:pos x="connsiteX12" y="connsiteY12"/>
+              </a:cxn>
+              <a:cxn ang="0">
+                <a:pos x="connsiteX13" y="connsiteY13"/>
+              </a:cxn>
+              <a:cxn ang="0">
+                <a:pos x="connsiteX14" y="connsiteY14"/>
+              </a:cxn>
+              <a:cxn ang="0">
+                <a:pos x="connsiteX15" y="connsiteY15"/>
+              </a:cxn>
+              <a:cxn ang="0">
+                <a:pos x="connsiteX16" y="connsiteY16"/>
+              </a:cxn>
+              <a:cxn ang="0">
+                <a:pos x="connsiteX17" y="connsiteY17"/>
+              </a:cxn>
+              <a:cxn ang="0">
+                <a:pos x="connsiteX18" y="connsiteY18"/>
+              </a:cxn>
+              <a:cxn ang="0">
+                <a:pos x="connsiteX19" y="connsiteY19"/>
+              </a:cxn>
+              <a:cxn ang="0">
+                <a:pos x="connsiteX20" y="connsiteY20"/>
+              </a:cxn>
+              <a:cxn ang="0">
+                <a:pos x="connsiteX21" y="connsiteY21"/>
+              </a:cxn>
+              <a:cxn ang="0">
+                <a:pos x="connsiteX22" y="connsiteY22"/>
+              </a:cxn>
+              <a:cxn ang="0">
+                <a:pos x="connsiteX23" y="connsiteY23"/>
+              </a:cxn>
+              <a:cxn ang="0">
+                <a:pos x="connsiteX24" y="connsiteY24"/>
+              </a:cxn>
+              <a:cxn ang="0">
+                <a:pos x="connsiteX25" y="connsiteY25"/>
+              </a:cxn>
+              <a:cxn ang="0">
+                <a:pos x="connsiteX26" y="connsiteY26"/>
+              </a:cxn>
+              <a:cxn ang="0">
+                <a:pos x="connsiteX27" y="connsiteY27"/>
+              </a:cxn>
+              <a:cxn ang="0">
+                <a:pos x="connsiteX28" y="connsiteY28"/>
+              </a:cxn>
+              <a:cxn ang="0">
+                <a:pos x="connsiteX29" y="connsiteY29"/>
+              </a:cxn>
+              <a:cxn ang="0">
+                <a:pos x="connsiteX30" y="connsiteY30"/>
+              </a:cxn>
+              <a:cxn ang="0">
+                <a:pos x="connsiteX31" y="connsiteY31"/>
+              </a:cxn>
+              <a:cxn ang="0">
+                <a:pos x="connsiteX32" y="connsiteY32"/>
+              </a:cxn>
+              <a:cxn ang="0">
+                <a:pos x="connsiteX33" y="connsiteY33"/>
+              </a:cxn>
+              <a:cxn ang="0">
+                <a:pos x="connsiteX34" y="connsiteY34"/>
+              </a:cxn>
+              <a:cxn ang="0">
+                <a:pos x="connsiteX35" y="connsiteY35"/>
+              </a:cxn>
+              <a:cxn ang="0">
+                <a:pos x="connsiteX36" y="connsiteY36"/>
+              </a:cxn>
+              <a:cxn ang="0">
+                <a:pos x="connsiteX37" y="connsiteY37"/>
+              </a:cxn>
+              <a:cxn ang="0">
+                <a:pos x="connsiteX38" y="connsiteY38"/>
+              </a:cxn>
+              <a:cxn ang="0">
+                <a:pos x="connsiteX39" y="connsiteY39"/>
+              </a:cxn>
+              <a:cxn ang="0">
+                <a:pos x="connsiteX40" y="connsiteY40"/>
+              </a:cxn>
+              <a:cxn ang="0">
+                <a:pos x="connsiteX41" y="connsiteY41"/>
+              </a:cxn>
+              <a:cxn ang="0">
+                <a:pos x="connsiteX42" y="connsiteY42"/>
+              </a:cxn>
+              <a:cxn ang="0">
+                <a:pos x="connsiteX43" y="connsiteY43"/>
+              </a:cxn>
+              <a:cxn ang="0">
+                <a:pos x="connsiteX44" y="connsiteY44"/>
+              </a:cxn>
+              <a:cxn ang="0">
+                <a:pos x="connsiteX45" y="connsiteY45"/>
+              </a:cxn>
+              <a:cxn ang="0">
+                <a:pos x="connsiteX46" y="connsiteY46"/>
+              </a:cxn>
+              <a:cxn ang="0">
+                <a:pos x="connsiteX47" y="connsiteY47"/>
+              </a:cxn>
+              <a:cxn ang="0">
+                <a:pos x="connsiteX48" y="connsiteY48"/>
+              </a:cxn>
+              <a:cxn ang="0">
+                <a:pos x="connsiteX49" y="connsiteY49"/>
+              </a:cxn>
+              <a:cxn ang="0">
+                <a:pos x="connsiteX50" y="connsiteY50"/>
+              </a:cxn>
+              <a:cxn ang="0">
+                <a:pos x="connsiteX51" y="connsiteY51"/>
+              </a:cxn>
+              <a:cxn ang="0">
+                <a:pos x="connsiteX52" y="connsiteY52"/>
+              </a:cxn>
+              <a:cxn ang="0">
+                <a:pos x="connsiteX53" y="connsiteY53"/>
+              </a:cxn>
+              <a:cxn ang="0">
+                <a:pos x="connsiteX54" y="connsiteY54"/>
+              </a:cxn>
+            </a:cxnLst>
+            <a:rect l="l" t="t" r="r" b="b"/>
+            <a:pathLst>
+              <a:path w="9716622" h="7790540">
+                <a:moveTo>
+                  <a:pt x="8266027" y="4080486"/>
+                </a:moveTo>
+                <a:cubicBezTo>
+                  <a:pt x="8400461" y="3946052"/>
+                  <a:pt x="8579769" y="3856493"/>
+                  <a:pt x="8779555" y="3836204"/>
+                </a:cubicBezTo>
+                <a:lnTo>
+                  <a:pt x="8838187" y="3833243"/>
+                </a:lnTo>
+                <a:lnTo>
+                  <a:pt x="9713470" y="4649552"/>
+                </a:lnTo>
+                <a:lnTo>
+                  <a:pt x="9716622" y="4680819"/>
+                </a:lnTo>
+                <a:lnTo>
+                  <a:pt x="9716621" y="4680819"/>
+                </a:lnTo>
+                <a:lnTo>
+                  <a:pt x="9715270" y="4707562"/>
+                </a:lnTo>
+                <a:lnTo>
+                  <a:pt x="8952409" y="5525537"/>
+                </a:lnTo>
+                <a:lnTo>
+                  <a:pt x="8867622" y="5529818"/>
+                </a:lnTo>
+                <a:lnTo>
+                  <a:pt x="8866360" y="5529817"/>
+                </a:lnTo>
+                <a:cubicBezTo>
+                  <a:pt x="8426777" y="5529816"/>
+                  <a:pt x="8065221" y="5195736"/>
+                  <a:pt x="8021744" y="4767623"/>
+                </a:cubicBezTo>
+                <a:lnTo>
+                  <a:pt x="8017361" y="4680819"/>
+                </a:lnTo>
+                <a:lnTo>
+                  <a:pt x="8034610" y="4509716"/>
+                </a:lnTo>
+                <a:cubicBezTo>
+                  <a:pt x="8068538" y="4343913"/>
+                  <a:pt x="8150798" y="4195716"/>
+                  <a:pt x="8266027" y="4080486"/>
+                </a:cubicBezTo>
+                <a:close/>
+                <a:moveTo>
+                  <a:pt x="4186985" y="5286723"/>
+                </a:moveTo>
+                <a:cubicBezTo>
+                  <a:pt x="4340737" y="5132970"/>
+                  <a:pt x="4553145" y="5037872"/>
+                  <a:pt x="4787764" y="5037873"/>
+                </a:cubicBezTo>
+                <a:cubicBezTo>
+                  <a:pt x="5257002" y="5037872"/>
+                  <a:pt x="5637394" y="5418264"/>
+                  <a:pt x="5637394" y="5887502"/>
+                </a:cubicBezTo>
+                <a:lnTo>
+                  <a:pt x="5637394" y="6838123"/>
+                </a:lnTo>
+                <a:cubicBezTo>
+                  <a:pt x="5637394" y="7307360"/>
+                  <a:pt x="5257002" y="7687752"/>
+                  <a:pt x="4787764" y="7687752"/>
+                </a:cubicBezTo>
+                <a:cubicBezTo>
+                  <a:pt x="4318526" y="7687752"/>
+                  <a:pt x="3938133" y="7307361"/>
+                  <a:pt x="3938134" y="6838122"/>
+                </a:cubicBezTo>
+                <a:lnTo>
+                  <a:pt x="3938134" y="5887502"/>
+                </a:lnTo>
+                <a:cubicBezTo>
+                  <a:pt x="3938134" y="5652883"/>
+                  <a:pt x="4033232" y="5440476"/>
+                  <a:pt x="4186985" y="5286723"/>
+                </a:cubicBezTo>
+                <a:close/>
+                <a:moveTo>
+                  <a:pt x="6006308" y="1192166"/>
+                </a:moveTo>
+                <a:lnTo>
+                  <a:pt x="7705568" y="2776936"/>
+                </a:lnTo>
+                <a:lnTo>
+                  <a:pt x="7705568" y="6862454"/>
+                </a:lnTo>
+                <a:lnTo>
+                  <a:pt x="6840014" y="7790540"/>
+                </a:lnTo>
+                <a:lnTo>
+                  <a:pt x="6684708" y="7774884"/>
+                </a:lnTo>
+                <a:cubicBezTo>
+                  <a:pt x="6297545" y="7695659"/>
+                  <a:pt x="6006308" y="7353099"/>
+                  <a:pt x="6006308" y="6942515"/>
+                </a:cubicBezTo>
+                <a:close/>
+                <a:moveTo>
+                  <a:pt x="2171961" y="4648778"/>
+                </a:moveTo>
+                <a:cubicBezTo>
+                  <a:pt x="2325600" y="4495139"/>
+                  <a:pt x="2537849" y="4400111"/>
+                  <a:pt x="2772293" y="4400112"/>
+                </a:cubicBezTo>
+                <a:lnTo>
+                  <a:pt x="2773557" y="4400111"/>
+                </a:lnTo>
+                <a:cubicBezTo>
+                  <a:pt x="3242446" y="4400112"/>
+                  <a:pt x="3622556" y="4780221"/>
+                  <a:pt x="3622556" y="5249110"/>
+                </a:cubicBezTo>
+                <a:lnTo>
+                  <a:pt x="3622554" y="5249110"/>
+                </a:lnTo>
+                <a:cubicBezTo>
+                  <a:pt x="3622554" y="5717999"/>
+                  <a:pt x="3242444" y="6098109"/>
+                  <a:pt x="2773555" y="6098109"/>
+                </a:cubicBezTo>
+                <a:lnTo>
+                  <a:pt x="2772293" y="6098108"/>
+                </a:lnTo>
+                <a:cubicBezTo>
+                  <a:pt x="2332711" y="6098108"/>
+                  <a:pt x="1971155" y="5764028"/>
+                  <a:pt x="1927678" y="5335915"/>
+                </a:cubicBezTo>
+                <a:lnTo>
+                  <a:pt x="1923295" y="5249110"/>
+                </a:lnTo>
+                <a:lnTo>
+                  <a:pt x="1940544" y="5078008"/>
+                </a:lnTo>
+                <a:cubicBezTo>
+                  <a:pt x="1974472" y="4912204"/>
+                  <a:pt x="2056732" y="4764006"/>
+                  <a:pt x="2171961" y="4648778"/>
+                </a:cubicBezTo>
+                <a:close/>
+                <a:moveTo>
+                  <a:pt x="3991646" y="789567"/>
+                </a:moveTo>
+                <a:lnTo>
+                  <a:pt x="4728015" y="0"/>
+                </a:lnTo>
+                <a:lnTo>
+                  <a:pt x="5690905" y="898014"/>
+                </a:lnTo>
+                <a:lnTo>
+                  <a:pt x="5690905" y="3943786"/>
+                </a:lnTo>
+                <a:cubicBezTo>
+                  <a:pt x="5690905" y="4413024"/>
+                  <a:pt x="5310513" y="4793416"/>
+                  <a:pt x="4841275" y="4793416"/>
+                </a:cubicBezTo>
+                <a:cubicBezTo>
+                  <a:pt x="4372037" y="4793416"/>
+                  <a:pt x="3991645" y="4413024"/>
+                  <a:pt x="3991646" y="3943787"/>
+                </a:cubicBezTo>
+                <a:close/>
+                <a:moveTo>
+                  <a:pt x="1894189" y="3038554"/>
+                </a:moveTo>
+                <a:lnTo>
+                  <a:pt x="3593448" y="1216533"/>
+                </a:lnTo>
+                <a:lnTo>
+                  <a:pt x="3593448" y="3165064"/>
+                </a:lnTo>
+                <a:cubicBezTo>
+                  <a:pt x="3593449" y="3634302"/>
+                  <a:pt x="3213056" y="4014694"/>
+                  <a:pt x="2743819" y="4014694"/>
+                </a:cubicBezTo>
+                <a:cubicBezTo>
+                  <a:pt x="2274580" y="4014694"/>
+                  <a:pt x="1894188" y="3634302"/>
+                  <a:pt x="1894189" y="3165064"/>
+                </a:cubicBezTo>
+                <a:close/>
+                <a:moveTo>
+                  <a:pt x="0" y="5069587"/>
+                </a:moveTo>
+                <a:lnTo>
+                  <a:pt x="1699260" y="3247566"/>
+                </a:lnTo>
+                <a:lnTo>
+                  <a:pt x="1699260" y="6751545"/>
+                </a:lnTo>
+                <a:cubicBezTo>
+                  <a:pt x="1699261" y="7220782"/>
+                  <a:pt x="1318868" y="7601175"/>
+                  <a:pt x="849630" y="7601176"/>
+                </a:cubicBezTo>
+                <a:cubicBezTo>
+                  <a:pt x="380392" y="7601176"/>
+                  <a:pt x="0" y="7220783"/>
+                  <a:pt x="0" y="6751545"/>
+                </a:cubicBezTo>
+                <a:close/>
+              </a:path>
+            </a:pathLst>
+          </a:custGeom>
+          <a:blipFill dpi="0" rotWithShape="0">
+            <a:blip r:embed="rId2"/>
+            <a:srcRect/>
+            <a:stretch>
+              <a:fillRect/>
+            </a:stretch>
+          </a:blipFill>
+          <a:effectLst>
+            <a:innerShdw blurRad="673100" dist="381000" dir="13080000">
+              <a:schemeClr val="tx1">
+                <a:alpha val="40000"/>
+              </a:schemeClr>
+            </a:innerShdw>
+          </a:effectLst>
+        </p:spPr>
+        <p:style>
+          <a:lnRef idx="2">
+            <a:schemeClr val="accent1">
+              <a:shade val="50000"/>
+            </a:schemeClr>
+          </a:lnRef>
+          <a:fillRef idx="1">
+            <a:schemeClr val="accent1"/>
+          </a:fillRef>
+          <a:effectRef idx="0">
+            <a:schemeClr val="accent1"/>
+          </a:effectRef>
+          <a:fontRef idx="minor">
+            <a:schemeClr val="lt1"/>
+          </a:fontRef>
+        </p:style>
+        <p:txBody>
+          <a:bodyPr wrap="square" rtlCol="0" anchor="ctr">
+            <a:noAutofit/>
+          </a:bodyPr>
+          <a:lstStyle/>
+          <a:p>
+            <a:pPr algn="ctr"/>
+            <a:endParaRPr lang="en-GB">
+              <a:effectLst>
+                <a:outerShdw dist="152400" dir="3240000" algn="ctr" rotWithShape="0">
+                  <a:srgbClr val="000000">
+                    <a:alpha val="43137"/>
+                  </a:srgbClr>
+                </a:outerShdw>
+              </a:effectLst>
+            </a:endParaRPr>
+          </a:p>
+        </p:txBody>
+      </p:sp>
+      <p:sp>
+        <p:nvSpPr>
+          <p:cNvPr id="19" name="TextBox 18">
+            <a:extLst>
+              <a:ext uri="{FF2B5EF4-FFF2-40B4-BE49-F238E27FC236}">
+                <a16:creationId xmlns:a16="http://schemas.microsoft.com/office/drawing/2014/main" id="{9C5A9695-92E5-42F1-B30A-4A8C77E41B28}"/>
+              </a:ext>
+            </a:extLst>
+          </p:cNvPr>
+          <p:cNvSpPr txBox="1"/>
+          <p:nvPr/>
+        </p:nvSpPr>
+        <p:spPr>
+          <a:xfrm>
+            <a:off x="287377" y="2774880"/>
+            <a:ext cx="6050280" cy="830997"/>
+          </a:xfrm>
+          <a:prstGeom prst="rect">
+            <a:avLst/>
+          </a:prstGeom>
+          <a:noFill/>
+        </p:spPr>
+        <p:txBody>
+          <a:bodyPr wrap="square" rtlCol="0">
+            <a:spAutoFit/>
+          </a:bodyPr>
+          <a:lstStyle/>
+          <a:p>
+            <a:pPr algn="ctr"/>
+            <a:r>
+              <a:rPr lang="en-GB" sz="4800" dirty="0">
+                <a:ln>
+                  <a:gradFill>
+                    <a:gsLst>
+                      <a:gs pos="0">
+                        <a:schemeClr val="accent1">
+                          <a:lumMod val="50000"/>
+                        </a:schemeClr>
+                      </a:gs>
+                      <a:gs pos="0">
+                        <a:schemeClr val="accent1">
+                          <a:lumMod val="50000"/>
+                        </a:schemeClr>
+                      </a:gs>
+                      <a:gs pos="100000">
+                        <a:schemeClr val="accent1">
+                          <a:lumMod val="50000"/>
+                        </a:schemeClr>
+                      </a:gs>
+                      <a:gs pos="100000">
+                        <a:schemeClr val="accent1">
+                          <a:lumMod val="30000"/>
+                          <a:lumOff val="70000"/>
+                        </a:schemeClr>
+                      </a:gs>
+                    </a:gsLst>
+                    <a:lin ang="5400000" scaled="1"/>
+                  </a:gradFill>
+                </a:ln>
+                <a:solidFill>
+                  <a:srgbClr val="00B0F0"/>
+                </a:solidFill>
+                <a:effectLst>
+                  <a:outerShdw blurRad="50800" dist="50800" dir="5400000" algn="ctr" rotWithShape="0">
+                    <a:srgbClr val="000000"/>
+                  </a:outerShdw>
+                </a:effectLst>
+              </a:rPr>
+              <a:t>Caveman Lawyers</a:t>
+            </a:r>
           </a:p>
         </p:txBody>
       </p:sp>

--- a/Presentation/cave.pptx
+++ b/Presentation/cave.pptx
@@ -6,6 +6,7 @@
   </p:sldMasterIdLst>
   <p:sldIdLst>
     <p:sldId id="256" r:id="rId2"/>
+    <p:sldId id="257" r:id="rId3"/>
   </p:sldIdLst>
   <p:sldSz cx="12192000" cy="6858000"/>
   <p:notesSz cx="6858000" cy="9144000"/>
@@ -4026,6 +4027,983 @@
 </p:sld>
 </file>
 
+<file path=ppt/slides/slide2.xml><?xml version="1.0" encoding="utf-8"?>
+<p:sld xmlns:a="http://schemas.openxmlformats.org/drawingml/2006/main" xmlns:r="http://schemas.openxmlformats.org/officeDocument/2006/relationships" xmlns:p="http://schemas.openxmlformats.org/presentationml/2006/main">
+  <p:cSld>
+    <p:bg>
+      <p:bgPr>
+        <a:gradFill>
+          <a:gsLst>
+            <a:gs pos="86000">
+              <a:schemeClr val="accent1">
+                <a:lumMod val="75000"/>
+              </a:schemeClr>
+            </a:gs>
+            <a:gs pos="58000">
+              <a:schemeClr val="accent1">
+                <a:lumMod val="50000"/>
+              </a:schemeClr>
+            </a:gs>
+            <a:gs pos="100000">
+              <a:schemeClr val="accent1">
+                <a:lumMod val="60000"/>
+                <a:lumOff val="40000"/>
+              </a:schemeClr>
+            </a:gs>
+          </a:gsLst>
+          <a:lin ang="5400000" scaled="1"/>
+        </a:gradFill>
+        <a:effectLst/>
+      </p:bgPr>
+    </p:bg>
+    <p:spTree>
+      <p:nvGrpSpPr>
+        <p:cNvPr id="1" name=""/>
+        <p:cNvGrpSpPr/>
+        <p:nvPr/>
+      </p:nvGrpSpPr>
+      <p:grpSpPr>
+        <a:xfrm>
+          <a:off x="0" y="0"/>
+          <a:ext cx="0" cy="0"/>
+          <a:chOff x="0" y="0"/>
+          <a:chExt cx="0" cy="0"/>
+        </a:xfrm>
+      </p:grpSpPr>
+      <p:sp>
+        <p:nvSpPr>
+          <p:cNvPr id="18" name="Freeform: Shape 17">
+            <a:extLst>
+              <a:ext uri="{FF2B5EF4-FFF2-40B4-BE49-F238E27FC236}">
+                <a16:creationId xmlns:a16="http://schemas.microsoft.com/office/drawing/2014/main" id="{CFBDC640-52FA-44A8-A712-903930F72C26}"/>
+              </a:ext>
+            </a:extLst>
+          </p:cNvPr>
+          <p:cNvSpPr/>
+          <p:nvPr/>
+        </p:nvSpPr>
+        <p:spPr>
+          <a:xfrm rot="2819801">
+            <a:off x="4616439" y="-1120390"/>
+            <a:ext cx="9716622" cy="7790540"/>
+          </a:xfrm>
+          <a:custGeom>
+            <a:avLst/>
+            <a:gdLst>
+              <a:gd name="connsiteX0" fmla="*/ 8266027 w 9716622"/>
+              <a:gd name="connsiteY0" fmla="*/ 4080486 h 7790540"/>
+              <a:gd name="connsiteX1" fmla="*/ 8779555 w 9716622"/>
+              <a:gd name="connsiteY1" fmla="*/ 3836204 h 7790540"/>
+              <a:gd name="connsiteX2" fmla="*/ 8838187 w 9716622"/>
+              <a:gd name="connsiteY2" fmla="*/ 3833243 h 7790540"/>
+              <a:gd name="connsiteX3" fmla="*/ 9713470 w 9716622"/>
+              <a:gd name="connsiteY3" fmla="*/ 4649552 h 7790540"/>
+              <a:gd name="connsiteX4" fmla="*/ 9716622 w 9716622"/>
+              <a:gd name="connsiteY4" fmla="*/ 4680819 h 7790540"/>
+              <a:gd name="connsiteX5" fmla="*/ 9716621 w 9716622"/>
+              <a:gd name="connsiteY5" fmla="*/ 4680819 h 7790540"/>
+              <a:gd name="connsiteX6" fmla="*/ 9715270 w 9716622"/>
+              <a:gd name="connsiteY6" fmla="*/ 4707562 h 7790540"/>
+              <a:gd name="connsiteX7" fmla="*/ 8952409 w 9716622"/>
+              <a:gd name="connsiteY7" fmla="*/ 5525537 h 7790540"/>
+              <a:gd name="connsiteX8" fmla="*/ 8867622 w 9716622"/>
+              <a:gd name="connsiteY8" fmla="*/ 5529818 h 7790540"/>
+              <a:gd name="connsiteX9" fmla="*/ 8866360 w 9716622"/>
+              <a:gd name="connsiteY9" fmla="*/ 5529817 h 7790540"/>
+              <a:gd name="connsiteX10" fmla="*/ 8021744 w 9716622"/>
+              <a:gd name="connsiteY10" fmla="*/ 4767623 h 7790540"/>
+              <a:gd name="connsiteX11" fmla="*/ 8017361 w 9716622"/>
+              <a:gd name="connsiteY11" fmla="*/ 4680819 h 7790540"/>
+              <a:gd name="connsiteX12" fmla="*/ 8034610 w 9716622"/>
+              <a:gd name="connsiteY12" fmla="*/ 4509716 h 7790540"/>
+              <a:gd name="connsiteX13" fmla="*/ 8266027 w 9716622"/>
+              <a:gd name="connsiteY13" fmla="*/ 4080486 h 7790540"/>
+              <a:gd name="connsiteX14" fmla="*/ 4186985 w 9716622"/>
+              <a:gd name="connsiteY14" fmla="*/ 5286723 h 7790540"/>
+              <a:gd name="connsiteX15" fmla="*/ 4787764 w 9716622"/>
+              <a:gd name="connsiteY15" fmla="*/ 5037873 h 7790540"/>
+              <a:gd name="connsiteX16" fmla="*/ 5637394 w 9716622"/>
+              <a:gd name="connsiteY16" fmla="*/ 5887502 h 7790540"/>
+              <a:gd name="connsiteX17" fmla="*/ 5637394 w 9716622"/>
+              <a:gd name="connsiteY17" fmla="*/ 6838123 h 7790540"/>
+              <a:gd name="connsiteX18" fmla="*/ 4787764 w 9716622"/>
+              <a:gd name="connsiteY18" fmla="*/ 7687752 h 7790540"/>
+              <a:gd name="connsiteX19" fmla="*/ 3938134 w 9716622"/>
+              <a:gd name="connsiteY19" fmla="*/ 6838122 h 7790540"/>
+              <a:gd name="connsiteX20" fmla="*/ 3938134 w 9716622"/>
+              <a:gd name="connsiteY20" fmla="*/ 5887502 h 7790540"/>
+              <a:gd name="connsiteX21" fmla="*/ 4186985 w 9716622"/>
+              <a:gd name="connsiteY21" fmla="*/ 5286723 h 7790540"/>
+              <a:gd name="connsiteX22" fmla="*/ 6006308 w 9716622"/>
+              <a:gd name="connsiteY22" fmla="*/ 1192166 h 7790540"/>
+              <a:gd name="connsiteX23" fmla="*/ 7705568 w 9716622"/>
+              <a:gd name="connsiteY23" fmla="*/ 2776936 h 7790540"/>
+              <a:gd name="connsiteX24" fmla="*/ 7705568 w 9716622"/>
+              <a:gd name="connsiteY24" fmla="*/ 6862454 h 7790540"/>
+              <a:gd name="connsiteX25" fmla="*/ 6840014 w 9716622"/>
+              <a:gd name="connsiteY25" fmla="*/ 7790540 h 7790540"/>
+              <a:gd name="connsiteX26" fmla="*/ 6684708 w 9716622"/>
+              <a:gd name="connsiteY26" fmla="*/ 7774884 h 7790540"/>
+              <a:gd name="connsiteX27" fmla="*/ 6006308 w 9716622"/>
+              <a:gd name="connsiteY27" fmla="*/ 6942515 h 7790540"/>
+              <a:gd name="connsiteX28" fmla="*/ 2171961 w 9716622"/>
+              <a:gd name="connsiteY28" fmla="*/ 4648778 h 7790540"/>
+              <a:gd name="connsiteX29" fmla="*/ 2772293 w 9716622"/>
+              <a:gd name="connsiteY29" fmla="*/ 4400112 h 7790540"/>
+              <a:gd name="connsiteX30" fmla="*/ 2773557 w 9716622"/>
+              <a:gd name="connsiteY30" fmla="*/ 4400111 h 7790540"/>
+              <a:gd name="connsiteX31" fmla="*/ 3622556 w 9716622"/>
+              <a:gd name="connsiteY31" fmla="*/ 5249110 h 7790540"/>
+              <a:gd name="connsiteX32" fmla="*/ 3622554 w 9716622"/>
+              <a:gd name="connsiteY32" fmla="*/ 5249110 h 7790540"/>
+              <a:gd name="connsiteX33" fmla="*/ 2773555 w 9716622"/>
+              <a:gd name="connsiteY33" fmla="*/ 6098109 h 7790540"/>
+              <a:gd name="connsiteX34" fmla="*/ 2772293 w 9716622"/>
+              <a:gd name="connsiteY34" fmla="*/ 6098108 h 7790540"/>
+              <a:gd name="connsiteX35" fmla="*/ 1927678 w 9716622"/>
+              <a:gd name="connsiteY35" fmla="*/ 5335915 h 7790540"/>
+              <a:gd name="connsiteX36" fmla="*/ 1923295 w 9716622"/>
+              <a:gd name="connsiteY36" fmla="*/ 5249110 h 7790540"/>
+              <a:gd name="connsiteX37" fmla="*/ 1940544 w 9716622"/>
+              <a:gd name="connsiteY37" fmla="*/ 5078008 h 7790540"/>
+              <a:gd name="connsiteX38" fmla="*/ 2171961 w 9716622"/>
+              <a:gd name="connsiteY38" fmla="*/ 4648778 h 7790540"/>
+              <a:gd name="connsiteX39" fmla="*/ 3991646 w 9716622"/>
+              <a:gd name="connsiteY39" fmla="*/ 789567 h 7790540"/>
+              <a:gd name="connsiteX40" fmla="*/ 4728015 w 9716622"/>
+              <a:gd name="connsiteY40" fmla="*/ 0 h 7790540"/>
+              <a:gd name="connsiteX41" fmla="*/ 5690905 w 9716622"/>
+              <a:gd name="connsiteY41" fmla="*/ 898014 h 7790540"/>
+              <a:gd name="connsiteX42" fmla="*/ 5690905 w 9716622"/>
+              <a:gd name="connsiteY42" fmla="*/ 3943786 h 7790540"/>
+              <a:gd name="connsiteX43" fmla="*/ 4841275 w 9716622"/>
+              <a:gd name="connsiteY43" fmla="*/ 4793416 h 7790540"/>
+              <a:gd name="connsiteX44" fmla="*/ 3991646 w 9716622"/>
+              <a:gd name="connsiteY44" fmla="*/ 3943787 h 7790540"/>
+              <a:gd name="connsiteX45" fmla="*/ 1894189 w 9716622"/>
+              <a:gd name="connsiteY45" fmla="*/ 3038554 h 7790540"/>
+              <a:gd name="connsiteX46" fmla="*/ 3593448 w 9716622"/>
+              <a:gd name="connsiteY46" fmla="*/ 1216533 h 7790540"/>
+              <a:gd name="connsiteX47" fmla="*/ 3593448 w 9716622"/>
+              <a:gd name="connsiteY47" fmla="*/ 3165064 h 7790540"/>
+              <a:gd name="connsiteX48" fmla="*/ 2743819 w 9716622"/>
+              <a:gd name="connsiteY48" fmla="*/ 4014694 h 7790540"/>
+              <a:gd name="connsiteX49" fmla="*/ 1894189 w 9716622"/>
+              <a:gd name="connsiteY49" fmla="*/ 3165064 h 7790540"/>
+              <a:gd name="connsiteX50" fmla="*/ 0 w 9716622"/>
+              <a:gd name="connsiteY50" fmla="*/ 5069587 h 7790540"/>
+              <a:gd name="connsiteX51" fmla="*/ 1699260 w 9716622"/>
+              <a:gd name="connsiteY51" fmla="*/ 3247566 h 7790540"/>
+              <a:gd name="connsiteX52" fmla="*/ 1699260 w 9716622"/>
+              <a:gd name="connsiteY52" fmla="*/ 6751545 h 7790540"/>
+              <a:gd name="connsiteX53" fmla="*/ 849630 w 9716622"/>
+              <a:gd name="connsiteY53" fmla="*/ 7601176 h 7790540"/>
+              <a:gd name="connsiteX54" fmla="*/ 0 w 9716622"/>
+              <a:gd name="connsiteY54" fmla="*/ 6751545 h 7790540"/>
+            </a:gdLst>
+            <a:ahLst/>
+            <a:cxnLst>
+              <a:cxn ang="0">
+                <a:pos x="connsiteX0" y="connsiteY0"/>
+              </a:cxn>
+              <a:cxn ang="0">
+                <a:pos x="connsiteX1" y="connsiteY1"/>
+              </a:cxn>
+              <a:cxn ang="0">
+                <a:pos x="connsiteX2" y="connsiteY2"/>
+              </a:cxn>
+              <a:cxn ang="0">
+                <a:pos x="connsiteX3" y="connsiteY3"/>
+              </a:cxn>
+              <a:cxn ang="0">
+                <a:pos x="connsiteX4" y="connsiteY4"/>
+              </a:cxn>
+              <a:cxn ang="0">
+                <a:pos x="connsiteX5" y="connsiteY5"/>
+              </a:cxn>
+              <a:cxn ang="0">
+                <a:pos x="connsiteX6" y="connsiteY6"/>
+              </a:cxn>
+              <a:cxn ang="0">
+                <a:pos x="connsiteX7" y="connsiteY7"/>
+              </a:cxn>
+              <a:cxn ang="0">
+                <a:pos x="connsiteX8" y="connsiteY8"/>
+              </a:cxn>
+              <a:cxn ang="0">
+                <a:pos x="connsiteX9" y="connsiteY9"/>
+              </a:cxn>
+              <a:cxn ang="0">
+                <a:pos x="connsiteX10" y="connsiteY10"/>
+              </a:cxn>
+              <a:cxn ang="0">
+                <a:pos x="connsiteX11" y="connsiteY11"/>
+              </a:cxn>
+              <a:cxn ang="0">
+                <a:pos x="connsiteX12" y="connsiteY12"/>
+              </a:cxn>
+              <a:cxn ang="0">
+                <a:pos x="connsiteX13" y="connsiteY13"/>
+              </a:cxn>
+              <a:cxn ang="0">
+                <a:pos x="connsiteX14" y="connsiteY14"/>
+              </a:cxn>
+              <a:cxn ang="0">
+                <a:pos x="connsiteX15" y="connsiteY15"/>
+              </a:cxn>
+              <a:cxn ang="0">
+                <a:pos x="connsiteX16" y="connsiteY16"/>
+              </a:cxn>
+              <a:cxn ang="0">
+                <a:pos x="connsiteX17" y="connsiteY17"/>
+              </a:cxn>
+              <a:cxn ang="0">
+                <a:pos x="connsiteX18" y="connsiteY18"/>
+              </a:cxn>
+              <a:cxn ang="0">
+                <a:pos x="connsiteX19" y="connsiteY19"/>
+              </a:cxn>
+              <a:cxn ang="0">
+                <a:pos x="connsiteX20" y="connsiteY20"/>
+              </a:cxn>
+              <a:cxn ang="0">
+                <a:pos x="connsiteX21" y="connsiteY21"/>
+              </a:cxn>
+              <a:cxn ang="0">
+                <a:pos x="connsiteX22" y="connsiteY22"/>
+              </a:cxn>
+              <a:cxn ang="0">
+                <a:pos x="connsiteX23" y="connsiteY23"/>
+              </a:cxn>
+              <a:cxn ang="0">
+                <a:pos x="connsiteX24" y="connsiteY24"/>
+              </a:cxn>
+              <a:cxn ang="0">
+                <a:pos x="connsiteX25" y="connsiteY25"/>
+              </a:cxn>
+              <a:cxn ang="0">
+                <a:pos x="connsiteX26" y="connsiteY26"/>
+              </a:cxn>
+              <a:cxn ang="0">
+                <a:pos x="connsiteX27" y="connsiteY27"/>
+              </a:cxn>
+              <a:cxn ang="0">
+                <a:pos x="connsiteX28" y="connsiteY28"/>
+              </a:cxn>
+              <a:cxn ang="0">
+                <a:pos x="connsiteX29" y="connsiteY29"/>
+              </a:cxn>
+              <a:cxn ang="0">
+                <a:pos x="connsiteX30" y="connsiteY30"/>
+              </a:cxn>
+              <a:cxn ang="0">
+                <a:pos x="connsiteX31" y="connsiteY31"/>
+              </a:cxn>
+              <a:cxn ang="0">
+                <a:pos x="connsiteX32" y="connsiteY32"/>
+              </a:cxn>
+              <a:cxn ang="0">
+                <a:pos x="connsiteX33" y="connsiteY33"/>
+              </a:cxn>
+              <a:cxn ang="0">
+                <a:pos x="connsiteX34" y="connsiteY34"/>
+              </a:cxn>
+              <a:cxn ang="0">
+                <a:pos x="connsiteX35" y="connsiteY35"/>
+              </a:cxn>
+              <a:cxn ang="0">
+                <a:pos x="connsiteX36" y="connsiteY36"/>
+              </a:cxn>
+              <a:cxn ang="0">
+                <a:pos x="connsiteX37" y="connsiteY37"/>
+              </a:cxn>
+              <a:cxn ang="0">
+                <a:pos x="connsiteX38" y="connsiteY38"/>
+              </a:cxn>
+              <a:cxn ang="0">
+                <a:pos x="connsiteX39" y="connsiteY39"/>
+              </a:cxn>
+              <a:cxn ang="0">
+                <a:pos x="connsiteX40" y="connsiteY40"/>
+              </a:cxn>
+              <a:cxn ang="0">
+                <a:pos x="connsiteX41" y="connsiteY41"/>
+              </a:cxn>
+              <a:cxn ang="0">
+                <a:pos x="connsiteX42" y="connsiteY42"/>
+              </a:cxn>
+              <a:cxn ang="0">
+                <a:pos x="connsiteX43" y="connsiteY43"/>
+              </a:cxn>
+              <a:cxn ang="0">
+                <a:pos x="connsiteX44" y="connsiteY44"/>
+              </a:cxn>
+              <a:cxn ang="0">
+                <a:pos x="connsiteX45" y="connsiteY45"/>
+              </a:cxn>
+              <a:cxn ang="0">
+                <a:pos x="connsiteX46" y="connsiteY46"/>
+              </a:cxn>
+              <a:cxn ang="0">
+                <a:pos x="connsiteX47" y="connsiteY47"/>
+              </a:cxn>
+              <a:cxn ang="0">
+                <a:pos x="connsiteX48" y="connsiteY48"/>
+              </a:cxn>
+              <a:cxn ang="0">
+                <a:pos x="connsiteX49" y="connsiteY49"/>
+              </a:cxn>
+              <a:cxn ang="0">
+                <a:pos x="connsiteX50" y="connsiteY50"/>
+              </a:cxn>
+              <a:cxn ang="0">
+                <a:pos x="connsiteX51" y="connsiteY51"/>
+              </a:cxn>
+              <a:cxn ang="0">
+                <a:pos x="connsiteX52" y="connsiteY52"/>
+              </a:cxn>
+              <a:cxn ang="0">
+                <a:pos x="connsiteX53" y="connsiteY53"/>
+              </a:cxn>
+              <a:cxn ang="0">
+                <a:pos x="connsiteX54" y="connsiteY54"/>
+              </a:cxn>
+            </a:cxnLst>
+            <a:rect l="l" t="t" r="r" b="b"/>
+            <a:pathLst>
+              <a:path w="9716622" h="7790540">
+                <a:moveTo>
+                  <a:pt x="8266027" y="4080486"/>
+                </a:moveTo>
+                <a:cubicBezTo>
+                  <a:pt x="8400461" y="3946052"/>
+                  <a:pt x="8579769" y="3856493"/>
+                  <a:pt x="8779555" y="3836204"/>
+                </a:cubicBezTo>
+                <a:lnTo>
+                  <a:pt x="8838187" y="3833243"/>
+                </a:lnTo>
+                <a:lnTo>
+                  <a:pt x="9713470" y="4649552"/>
+                </a:lnTo>
+                <a:lnTo>
+                  <a:pt x="9716622" y="4680819"/>
+                </a:lnTo>
+                <a:lnTo>
+                  <a:pt x="9716621" y="4680819"/>
+                </a:lnTo>
+                <a:lnTo>
+                  <a:pt x="9715270" y="4707562"/>
+                </a:lnTo>
+                <a:lnTo>
+                  <a:pt x="8952409" y="5525537"/>
+                </a:lnTo>
+                <a:lnTo>
+                  <a:pt x="8867622" y="5529818"/>
+                </a:lnTo>
+                <a:lnTo>
+                  <a:pt x="8866360" y="5529817"/>
+                </a:lnTo>
+                <a:cubicBezTo>
+                  <a:pt x="8426777" y="5529816"/>
+                  <a:pt x="8065221" y="5195736"/>
+                  <a:pt x="8021744" y="4767623"/>
+                </a:cubicBezTo>
+                <a:lnTo>
+                  <a:pt x="8017361" y="4680819"/>
+                </a:lnTo>
+                <a:lnTo>
+                  <a:pt x="8034610" y="4509716"/>
+                </a:lnTo>
+                <a:cubicBezTo>
+                  <a:pt x="8068538" y="4343913"/>
+                  <a:pt x="8150798" y="4195716"/>
+                  <a:pt x="8266027" y="4080486"/>
+                </a:cubicBezTo>
+                <a:close/>
+                <a:moveTo>
+                  <a:pt x="4186985" y="5286723"/>
+                </a:moveTo>
+                <a:cubicBezTo>
+                  <a:pt x="4340737" y="5132970"/>
+                  <a:pt x="4553145" y="5037872"/>
+                  <a:pt x="4787764" y="5037873"/>
+                </a:cubicBezTo>
+                <a:cubicBezTo>
+                  <a:pt x="5257002" y="5037872"/>
+                  <a:pt x="5637394" y="5418264"/>
+                  <a:pt x="5637394" y="5887502"/>
+                </a:cubicBezTo>
+                <a:lnTo>
+                  <a:pt x="5637394" y="6838123"/>
+                </a:lnTo>
+                <a:cubicBezTo>
+                  <a:pt x="5637394" y="7307360"/>
+                  <a:pt x="5257002" y="7687752"/>
+                  <a:pt x="4787764" y="7687752"/>
+                </a:cubicBezTo>
+                <a:cubicBezTo>
+                  <a:pt x="4318526" y="7687752"/>
+                  <a:pt x="3938133" y="7307361"/>
+                  <a:pt x="3938134" y="6838122"/>
+                </a:cubicBezTo>
+                <a:lnTo>
+                  <a:pt x="3938134" y="5887502"/>
+                </a:lnTo>
+                <a:cubicBezTo>
+                  <a:pt x="3938134" y="5652883"/>
+                  <a:pt x="4033232" y="5440476"/>
+                  <a:pt x="4186985" y="5286723"/>
+                </a:cubicBezTo>
+                <a:close/>
+                <a:moveTo>
+                  <a:pt x="6006308" y="1192166"/>
+                </a:moveTo>
+                <a:lnTo>
+                  <a:pt x="7705568" y="2776936"/>
+                </a:lnTo>
+                <a:lnTo>
+                  <a:pt x="7705568" y="6862454"/>
+                </a:lnTo>
+                <a:lnTo>
+                  <a:pt x="6840014" y="7790540"/>
+                </a:lnTo>
+                <a:lnTo>
+                  <a:pt x="6684708" y="7774884"/>
+                </a:lnTo>
+                <a:cubicBezTo>
+                  <a:pt x="6297545" y="7695659"/>
+                  <a:pt x="6006308" y="7353099"/>
+                  <a:pt x="6006308" y="6942515"/>
+                </a:cubicBezTo>
+                <a:close/>
+                <a:moveTo>
+                  <a:pt x="2171961" y="4648778"/>
+                </a:moveTo>
+                <a:cubicBezTo>
+                  <a:pt x="2325600" y="4495139"/>
+                  <a:pt x="2537849" y="4400111"/>
+                  <a:pt x="2772293" y="4400112"/>
+                </a:cubicBezTo>
+                <a:lnTo>
+                  <a:pt x="2773557" y="4400111"/>
+                </a:lnTo>
+                <a:cubicBezTo>
+                  <a:pt x="3242446" y="4400112"/>
+                  <a:pt x="3622556" y="4780221"/>
+                  <a:pt x="3622556" y="5249110"/>
+                </a:cubicBezTo>
+                <a:lnTo>
+                  <a:pt x="3622554" y="5249110"/>
+                </a:lnTo>
+                <a:cubicBezTo>
+                  <a:pt x="3622554" y="5717999"/>
+                  <a:pt x="3242444" y="6098109"/>
+                  <a:pt x="2773555" y="6098109"/>
+                </a:cubicBezTo>
+                <a:lnTo>
+                  <a:pt x="2772293" y="6098108"/>
+                </a:lnTo>
+                <a:cubicBezTo>
+                  <a:pt x="2332711" y="6098108"/>
+                  <a:pt x="1971155" y="5764028"/>
+                  <a:pt x="1927678" y="5335915"/>
+                </a:cubicBezTo>
+                <a:lnTo>
+                  <a:pt x="1923295" y="5249110"/>
+                </a:lnTo>
+                <a:lnTo>
+                  <a:pt x="1940544" y="5078008"/>
+                </a:lnTo>
+                <a:cubicBezTo>
+                  <a:pt x="1974472" y="4912204"/>
+                  <a:pt x="2056732" y="4764006"/>
+                  <a:pt x="2171961" y="4648778"/>
+                </a:cubicBezTo>
+                <a:close/>
+                <a:moveTo>
+                  <a:pt x="3991646" y="789567"/>
+                </a:moveTo>
+                <a:lnTo>
+                  <a:pt x="4728015" y="0"/>
+                </a:lnTo>
+                <a:lnTo>
+                  <a:pt x="5690905" y="898014"/>
+                </a:lnTo>
+                <a:lnTo>
+                  <a:pt x="5690905" y="3943786"/>
+                </a:lnTo>
+                <a:cubicBezTo>
+                  <a:pt x="5690905" y="4413024"/>
+                  <a:pt x="5310513" y="4793416"/>
+                  <a:pt x="4841275" y="4793416"/>
+                </a:cubicBezTo>
+                <a:cubicBezTo>
+                  <a:pt x="4372037" y="4793416"/>
+                  <a:pt x="3991645" y="4413024"/>
+                  <a:pt x="3991646" y="3943787"/>
+                </a:cubicBezTo>
+                <a:close/>
+                <a:moveTo>
+                  <a:pt x="1894189" y="3038554"/>
+                </a:moveTo>
+                <a:lnTo>
+                  <a:pt x="3593448" y="1216533"/>
+                </a:lnTo>
+                <a:lnTo>
+                  <a:pt x="3593448" y="3165064"/>
+                </a:lnTo>
+                <a:cubicBezTo>
+                  <a:pt x="3593449" y="3634302"/>
+                  <a:pt x="3213056" y="4014694"/>
+                  <a:pt x="2743819" y="4014694"/>
+                </a:cubicBezTo>
+                <a:cubicBezTo>
+                  <a:pt x="2274580" y="4014694"/>
+                  <a:pt x="1894188" y="3634302"/>
+                  <a:pt x="1894189" y="3165064"/>
+                </a:cubicBezTo>
+                <a:close/>
+                <a:moveTo>
+                  <a:pt x="0" y="5069587"/>
+                </a:moveTo>
+                <a:lnTo>
+                  <a:pt x="1699260" y="3247566"/>
+                </a:lnTo>
+                <a:lnTo>
+                  <a:pt x="1699260" y="6751545"/>
+                </a:lnTo>
+                <a:cubicBezTo>
+                  <a:pt x="1699261" y="7220782"/>
+                  <a:pt x="1318868" y="7601175"/>
+                  <a:pt x="849630" y="7601176"/>
+                </a:cubicBezTo>
+                <a:cubicBezTo>
+                  <a:pt x="380392" y="7601176"/>
+                  <a:pt x="0" y="7220783"/>
+                  <a:pt x="0" y="6751545"/>
+                </a:cubicBezTo>
+                <a:close/>
+              </a:path>
+            </a:pathLst>
+          </a:custGeom>
+          <a:blipFill dpi="0" rotWithShape="0">
+            <a:blip r:embed="rId2"/>
+            <a:srcRect/>
+            <a:stretch>
+              <a:fillRect/>
+            </a:stretch>
+          </a:blipFill>
+          <a:effectLst>
+            <a:innerShdw blurRad="673100" dist="381000" dir="13080000">
+              <a:schemeClr val="tx1">
+                <a:alpha val="40000"/>
+              </a:schemeClr>
+            </a:innerShdw>
+          </a:effectLst>
+        </p:spPr>
+        <p:style>
+          <a:lnRef idx="2">
+            <a:schemeClr val="accent1">
+              <a:shade val="50000"/>
+            </a:schemeClr>
+          </a:lnRef>
+          <a:fillRef idx="1">
+            <a:schemeClr val="accent1"/>
+          </a:fillRef>
+          <a:effectRef idx="0">
+            <a:schemeClr val="accent1"/>
+          </a:effectRef>
+          <a:fontRef idx="minor">
+            <a:schemeClr val="lt1"/>
+          </a:fontRef>
+        </p:style>
+        <p:txBody>
+          <a:bodyPr wrap="square" rtlCol="0" anchor="ctr">
+            <a:noAutofit/>
+          </a:bodyPr>
+          <a:lstStyle/>
+          <a:p>
+            <a:pPr algn="ctr"/>
+            <a:endParaRPr lang="en-GB">
+              <a:effectLst>
+                <a:outerShdw dist="152400" dir="3240000" algn="ctr" rotWithShape="0">
+                  <a:srgbClr val="000000">
+                    <a:alpha val="43137"/>
+                  </a:srgbClr>
+                </a:outerShdw>
+              </a:effectLst>
+            </a:endParaRPr>
+          </a:p>
+        </p:txBody>
+      </p:sp>
+      <p:sp>
+        <p:nvSpPr>
+          <p:cNvPr id="2" name="TextBox 1">
+            <a:extLst>
+              <a:ext uri="{FF2B5EF4-FFF2-40B4-BE49-F238E27FC236}">
+                <a16:creationId xmlns:a16="http://schemas.microsoft.com/office/drawing/2014/main" id="{DF522523-EBD6-45AE-9BAB-1D16E391008C}"/>
+              </a:ext>
+            </a:extLst>
+          </p:cNvPr>
+          <p:cNvSpPr txBox="1"/>
+          <p:nvPr/>
+        </p:nvSpPr>
+        <p:spPr>
+          <a:xfrm>
+            <a:off x="401677" y="617220"/>
+            <a:ext cx="5821680" cy="523220"/>
+          </a:xfrm>
+          <a:prstGeom prst="rect">
+            <a:avLst/>
+          </a:prstGeom>
+          <a:noFill/>
+        </p:spPr>
+        <p:txBody>
+          <a:bodyPr wrap="square" rtlCol="0">
+            <a:spAutoFit/>
+          </a:bodyPr>
+          <a:lstStyle/>
+          <a:p>
+            <a:r>
+              <a:rPr lang="en-GB" sz="2800" dirty="0">
+                <a:solidFill>
+                  <a:schemeClr val="accent1">
+                    <a:lumMod val="20000"/>
+                    <a:lumOff val="80000"/>
+                  </a:schemeClr>
+                </a:solidFill>
+              </a:rPr>
+              <a:t>About us:</a:t>
+            </a:r>
+          </a:p>
+        </p:txBody>
+      </p:sp>
+      <p:pic>
+        <p:nvPicPr>
+          <p:cNvPr id="5" name="Picture 4">
+            <a:extLst>
+              <a:ext uri="{FF2B5EF4-FFF2-40B4-BE49-F238E27FC236}">
+                <a16:creationId xmlns:a16="http://schemas.microsoft.com/office/drawing/2014/main" id="{06BA8476-535C-4C26-B399-E9897409FDF4}"/>
+              </a:ext>
+            </a:extLst>
+          </p:cNvPr>
+          <p:cNvPicPr>
+            <a:picLocks noChangeAspect="1"/>
+          </p:cNvPicPr>
+          <p:nvPr/>
+        </p:nvPicPr>
+        <p:blipFill>
+          <a:blip r:embed="rId3">
+            <a:extLst>
+              <a:ext uri="{28A0092B-C50C-407E-A947-70E740481C1C}">
+                <a14:useLocalDpi xmlns:a14="http://schemas.microsoft.com/office/drawing/2010/main" val="0"/>
+              </a:ext>
+            </a:extLst>
+          </a:blip>
+          <a:stretch>
+            <a:fillRect/>
+          </a:stretch>
+        </p:blipFill>
+        <p:spPr>
+          <a:xfrm>
+            <a:off x="683617" y="1600200"/>
+            <a:ext cx="914400" cy="914400"/>
+          </a:xfrm>
+          <a:prstGeom prst="rect">
+            <a:avLst/>
+          </a:prstGeom>
+        </p:spPr>
+      </p:pic>
+      <p:pic>
+        <p:nvPicPr>
+          <p:cNvPr id="7" name="Picture 6">
+            <a:extLst>
+              <a:ext uri="{FF2B5EF4-FFF2-40B4-BE49-F238E27FC236}">
+                <a16:creationId xmlns:a16="http://schemas.microsoft.com/office/drawing/2014/main" id="{83FE1070-2B6E-4197-93AF-A1E940B80E02}"/>
+              </a:ext>
+            </a:extLst>
+          </p:cNvPr>
+          <p:cNvPicPr>
+            <a:picLocks noChangeAspect="1"/>
+          </p:cNvPicPr>
+          <p:nvPr/>
+        </p:nvPicPr>
+        <p:blipFill>
+          <a:blip r:embed="rId4">
+            <a:extLst>
+              <a:ext uri="{28A0092B-C50C-407E-A947-70E740481C1C}">
+                <a14:useLocalDpi xmlns:a14="http://schemas.microsoft.com/office/drawing/2010/main" val="0"/>
+              </a:ext>
+            </a:extLst>
+          </a:blip>
+          <a:stretch>
+            <a:fillRect/>
+          </a:stretch>
+        </p:blipFill>
+        <p:spPr>
+          <a:xfrm>
+            <a:off x="683617" y="4343400"/>
+            <a:ext cx="914400" cy="914400"/>
+          </a:xfrm>
+          <a:prstGeom prst="rect">
+            <a:avLst/>
+          </a:prstGeom>
+        </p:spPr>
+      </p:pic>
+      <p:pic>
+        <p:nvPicPr>
+          <p:cNvPr id="9" name="Picture 8">
+            <a:extLst>
+              <a:ext uri="{FF2B5EF4-FFF2-40B4-BE49-F238E27FC236}">
+                <a16:creationId xmlns:a16="http://schemas.microsoft.com/office/drawing/2014/main" id="{0184C3F8-13EF-4363-B1F0-867D0343FD74}"/>
+              </a:ext>
+            </a:extLst>
+          </p:cNvPr>
+          <p:cNvPicPr>
+            <a:picLocks noChangeAspect="1"/>
+          </p:cNvPicPr>
+          <p:nvPr/>
+        </p:nvPicPr>
+        <p:blipFill>
+          <a:blip r:embed="rId5">
+            <a:extLst>
+              <a:ext uri="{28A0092B-C50C-407E-A947-70E740481C1C}">
+                <a14:useLocalDpi xmlns:a14="http://schemas.microsoft.com/office/drawing/2010/main" val="0"/>
+              </a:ext>
+            </a:extLst>
+          </a:blip>
+          <a:stretch>
+            <a:fillRect/>
+          </a:stretch>
+        </p:blipFill>
+        <p:spPr>
+          <a:xfrm>
+            <a:off x="683617" y="2517160"/>
+            <a:ext cx="914400" cy="914400"/>
+          </a:xfrm>
+          <a:prstGeom prst="rect">
+            <a:avLst/>
+          </a:prstGeom>
+        </p:spPr>
+      </p:pic>
+      <p:pic>
+        <p:nvPicPr>
+          <p:cNvPr id="11" name="Picture 10">
+            <a:extLst>
+              <a:ext uri="{FF2B5EF4-FFF2-40B4-BE49-F238E27FC236}">
+                <a16:creationId xmlns:a16="http://schemas.microsoft.com/office/drawing/2014/main" id="{1A6BD1D4-2BAB-4A16-BCF5-9420A85270FE}"/>
+              </a:ext>
+            </a:extLst>
+          </p:cNvPr>
+          <p:cNvPicPr>
+            <a:picLocks noChangeAspect="1"/>
+          </p:cNvPicPr>
+          <p:nvPr/>
+        </p:nvPicPr>
+        <p:blipFill>
+          <a:blip r:embed="rId6">
+            <a:extLst>
+              <a:ext uri="{28A0092B-C50C-407E-A947-70E740481C1C}">
+                <a14:useLocalDpi xmlns:a14="http://schemas.microsoft.com/office/drawing/2010/main" val="0"/>
+              </a:ext>
+            </a:extLst>
+          </a:blip>
+          <a:stretch>
+            <a:fillRect/>
+          </a:stretch>
+        </p:blipFill>
+        <p:spPr>
+          <a:xfrm>
+            <a:off x="683617" y="3429000"/>
+            <a:ext cx="914400" cy="914400"/>
+          </a:xfrm>
+          <a:prstGeom prst="rect">
+            <a:avLst/>
+          </a:prstGeom>
+        </p:spPr>
+      </p:pic>
+      <p:sp>
+        <p:nvSpPr>
+          <p:cNvPr id="13" name="TextBox 12">
+            <a:extLst>
+              <a:ext uri="{FF2B5EF4-FFF2-40B4-BE49-F238E27FC236}">
+                <a16:creationId xmlns:a16="http://schemas.microsoft.com/office/drawing/2014/main" id="{05EAC08F-75BE-4D98-A732-B12E465A8F1D}"/>
+              </a:ext>
+            </a:extLst>
+          </p:cNvPr>
+          <p:cNvSpPr txBox="1"/>
+          <p:nvPr/>
+        </p:nvSpPr>
+        <p:spPr>
+          <a:xfrm>
+            <a:off x="1598017" y="2789694"/>
+            <a:ext cx="1874520" cy="461665"/>
+          </a:xfrm>
+          <a:prstGeom prst="rect">
+            <a:avLst/>
+          </a:prstGeom>
+          <a:noFill/>
+        </p:spPr>
+        <p:txBody>
+          <a:bodyPr wrap="square" rtlCol="0">
+            <a:spAutoFit/>
+          </a:bodyPr>
+          <a:lstStyle/>
+          <a:p>
+            <a:r>
+              <a:rPr lang="en-GB" sz="2400" dirty="0">
+                <a:solidFill>
+                  <a:schemeClr val="accent1">
+                    <a:lumMod val="20000"/>
+                    <a:lumOff val="80000"/>
+                  </a:schemeClr>
+                </a:solidFill>
+              </a:rPr>
+              <a:t>Programmer</a:t>
+            </a:r>
+          </a:p>
+        </p:txBody>
+      </p:sp>
+      <p:sp>
+        <p:nvSpPr>
+          <p:cNvPr id="16" name="TextBox 15">
+            <a:extLst>
+              <a:ext uri="{FF2B5EF4-FFF2-40B4-BE49-F238E27FC236}">
+                <a16:creationId xmlns:a16="http://schemas.microsoft.com/office/drawing/2014/main" id="{C15152A9-1906-4F22-9169-B7BC98880A12}"/>
+              </a:ext>
+            </a:extLst>
+          </p:cNvPr>
+          <p:cNvSpPr txBox="1"/>
+          <p:nvPr/>
+        </p:nvSpPr>
+        <p:spPr>
+          <a:xfrm>
+            <a:off x="1598017" y="3706654"/>
+            <a:ext cx="1874520" cy="461665"/>
+          </a:xfrm>
+          <a:prstGeom prst="rect">
+            <a:avLst/>
+          </a:prstGeom>
+          <a:noFill/>
+        </p:spPr>
+        <p:txBody>
+          <a:bodyPr wrap="square" rtlCol="0">
+            <a:spAutoFit/>
+          </a:bodyPr>
+          <a:lstStyle/>
+          <a:p>
+            <a:r>
+              <a:rPr lang="en-GB" sz="2400" dirty="0">
+                <a:solidFill>
+                  <a:schemeClr val="accent1">
+                    <a:lumMod val="20000"/>
+                    <a:lumOff val="80000"/>
+                  </a:schemeClr>
+                </a:solidFill>
+              </a:rPr>
+              <a:t>Q&amp;A</a:t>
+            </a:r>
+          </a:p>
+        </p:txBody>
+      </p:sp>
+      <p:sp>
+        <p:nvSpPr>
+          <p:cNvPr id="17" name="TextBox 16">
+            <a:extLst>
+              <a:ext uri="{FF2B5EF4-FFF2-40B4-BE49-F238E27FC236}">
+                <a16:creationId xmlns:a16="http://schemas.microsoft.com/office/drawing/2014/main" id="{4F6A7170-8981-4336-8FC3-30ABC45D6416}"/>
+              </a:ext>
+            </a:extLst>
+          </p:cNvPr>
+          <p:cNvSpPr txBox="1"/>
+          <p:nvPr/>
+        </p:nvSpPr>
+        <p:spPr>
+          <a:xfrm>
+            <a:off x="1598017" y="4569767"/>
+            <a:ext cx="1874520" cy="461665"/>
+          </a:xfrm>
+          <a:prstGeom prst="rect">
+            <a:avLst/>
+          </a:prstGeom>
+          <a:noFill/>
+        </p:spPr>
+        <p:txBody>
+          <a:bodyPr wrap="square" rtlCol="0">
+            <a:spAutoFit/>
+          </a:bodyPr>
+          <a:lstStyle/>
+          <a:p>
+            <a:r>
+              <a:rPr lang="en-GB" sz="2400" dirty="0">
+                <a:solidFill>
+                  <a:schemeClr val="accent1">
+                    <a:lumMod val="20000"/>
+                    <a:lumOff val="80000"/>
+                  </a:schemeClr>
+                </a:solidFill>
+              </a:rPr>
+              <a:t>Scrum</a:t>
+            </a:r>
+          </a:p>
+        </p:txBody>
+      </p:sp>
+      <p:sp>
+        <p:nvSpPr>
+          <p:cNvPr id="20" name="TextBox 19">
+            <a:extLst>
+              <a:ext uri="{FF2B5EF4-FFF2-40B4-BE49-F238E27FC236}">
+                <a16:creationId xmlns:a16="http://schemas.microsoft.com/office/drawing/2014/main" id="{27E96A9E-6AEF-449F-84F2-5FCFFA8FB7D6}"/>
+              </a:ext>
+            </a:extLst>
+          </p:cNvPr>
+          <p:cNvSpPr txBox="1"/>
+          <p:nvPr/>
+        </p:nvSpPr>
+        <p:spPr>
+          <a:xfrm>
+            <a:off x="1598017" y="1821447"/>
+            <a:ext cx="1874520" cy="461665"/>
+          </a:xfrm>
+          <a:prstGeom prst="rect">
+            <a:avLst/>
+          </a:prstGeom>
+          <a:noFill/>
+        </p:spPr>
+        <p:txBody>
+          <a:bodyPr wrap="square" rtlCol="0">
+            <a:spAutoFit/>
+          </a:bodyPr>
+          <a:lstStyle/>
+          <a:p>
+            <a:r>
+              <a:rPr lang="en-GB" sz="2400" dirty="0">
+                <a:solidFill>
+                  <a:schemeClr val="accent1">
+                    <a:lumMod val="20000"/>
+                    <a:lumOff val="80000"/>
+                  </a:schemeClr>
+                </a:solidFill>
+              </a:rPr>
+              <a:t>Programmer</a:t>
+            </a:r>
+          </a:p>
+        </p:txBody>
+      </p:sp>
+    </p:spTree>
+    <p:extLst>
+      <p:ext uri="{BB962C8B-B14F-4D97-AF65-F5344CB8AC3E}">
+        <p14:creationId xmlns:p14="http://schemas.microsoft.com/office/powerpoint/2010/main" val="1243315307"/>
+      </p:ext>
+    </p:extLst>
+  </p:cSld>
+  <p:clrMapOvr>
+    <a:masterClrMapping/>
+  </p:clrMapOvr>
+</p:sld>
+</file>
+
 <file path=ppt/theme/theme1.xml><?xml version="1.0" encoding="utf-8"?>
 <a:theme xmlns:a="http://schemas.openxmlformats.org/drawingml/2006/main" name="Office Theme">
   <a:themeElements>

--- a/Presentation/cave.pptx
+++ b/Presentation/cave.pptx
@@ -7,6 +7,7 @@
   <p:sldIdLst>
     <p:sldId id="256" r:id="rId2"/>
     <p:sldId id="257" r:id="rId3"/>
+    <p:sldId id="258" r:id="rId4"/>
   </p:sldIdLst>
   <p:sldSz cx="12192000" cy="6858000"/>
   <p:notesSz cx="6858000" cy="9144000"/>
@@ -4024,6 +4025,18 @@
   <p:clrMapOvr>
     <a:masterClrMapping/>
   </p:clrMapOvr>
+  <mc:AlternateContent xmlns:mc="http://schemas.openxmlformats.org/markup-compatibility/2006">
+    <mc:Choice xmlns:p159="http://schemas.microsoft.com/office/powerpoint/2015/09/main" Requires="p159">
+      <p:transition xmlns:p14="http://schemas.microsoft.com/office/powerpoint/2010/main" spd="slow" p14:dur="2000">
+        <p159:morph option="byObject"/>
+      </p:transition>
+    </mc:Choice>
+    <mc:Fallback>
+      <p:transition spd="slow">
+        <p:fade/>
+      </p:transition>
+    </mc:Fallback>
+  </mc:AlternateContent>
 </p:sld>
 </file>
 
@@ -4837,8 +4850,8 @@
         </p:nvSpPr>
         <p:spPr>
           <a:xfrm>
-            <a:off x="1598017" y="2789694"/>
-            <a:ext cx="1874520" cy="461665"/>
+            <a:off x="1598017" y="2523008"/>
+            <a:ext cx="2678379" cy="830997"/>
           </a:xfrm>
           <a:prstGeom prst="rect">
             <a:avLst/>
@@ -4851,6 +4864,17 @@
           </a:bodyPr>
           <a:lstStyle/>
           <a:p>
+            <a:r>
+              <a:rPr lang="en-GB" sz="2400" dirty="0" err="1">
+                <a:solidFill>
+                  <a:schemeClr val="accent1">
+                    <a:lumMod val="20000"/>
+                    <a:lumOff val="80000"/>
+                  </a:schemeClr>
+                </a:solidFill>
+              </a:rPr>
+              <a:t>Borislav</a:t>
+            </a:r>
             <a:r>
               <a:rPr lang="en-GB" sz="2400" dirty="0">
                 <a:solidFill>
@@ -4860,39 +4884,19 @@
                   </a:schemeClr>
                 </a:solidFill>
               </a:rPr>
-              <a:t>Programmer</a:t>
-            </a:r>
-          </a:p>
-        </p:txBody>
-      </p:sp>
-      <p:sp>
-        <p:nvSpPr>
-          <p:cNvPr id="16" name="TextBox 15">
-            <a:extLst>
-              <a:ext uri="{FF2B5EF4-FFF2-40B4-BE49-F238E27FC236}">
-                <a16:creationId xmlns:a16="http://schemas.microsoft.com/office/drawing/2014/main" id="{C15152A9-1906-4F22-9169-B7BC98880A12}"/>
-              </a:ext>
-            </a:extLst>
-          </p:cNvPr>
-          <p:cNvSpPr txBox="1"/>
-          <p:nvPr/>
-        </p:nvSpPr>
-        <p:spPr>
-          <a:xfrm>
-            <a:off x="1598017" y="3706654"/>
-            <a:ext cx="1874520" cy="461665"/>
-          </a:xfrm>
-          <a:prstGeom prst="rect">
-            <a:avLst/>
-          </a:prstGeom>
-          <a:noFill/>
-        </p:spPr>
-        <p:txBody>
-          <a:bodyPr wrap="square" rtlCol="0">
-            <a:spAutoFit/>
-          </a:bodyPr>
-          <a:lstStyle/>
-          <a:p>
+              <a:t> </a:t>
+            </a:r>
+            <a:r>
+              <a:rPr lang="en-GB" sz="2400" dirty="0" err="1">
+                <a:solidFill>
+                  <a:schemeClr val="accent1">
+                    <a:lumMod val="20000"/>
+                    <a:lumOff val="80000"/>
+                  </a:schemeClr>
+                </a:solidFill>
+              </a:rPr>
+              <a:t>Petkov</a:t>
+            </a:r>
             <a:r>
               <a:rPr lang="en-GB" sz="2400" dirty="0">
                 <a:solidFill>
@@ -4902,17 +4906,17 @@
                   </a:schemeClr>
                 </a:solidFill>
               </a:rPr>
-              <a:t>Q&amp;A</a:t>
-            </a:r>
-          </a:p>
-        </p:txBody>
-      </p:sp>
-      <p:sp>
-        <p:nvSpPr>
-          <p:cNvPr id="17" name="TextBox 16">
-            <a:extLst>
-              <a:ext uri="{FF2B5EF4-FFF2-40B4-BE49-F238E27FC236}">
-                <a16:creationId xmlns:a16="http://schemas.microsoft.com/office/drawing/2014/main" id="{4F6A7170-8981-4336-8FC3-30ABC45D6416}"/>
+              <a:t> -Programmer</a:t>
+            </a:r>
+          </a:p>
+        </p:txBody>
+      </p:sp>
+      <p:sp>
+        <p:nvSpPr>
+          <p:cNvPr id="16" name="TextBox 15">
+            <a:extLst>
+              <a:ext uri="{FF2B5EF4-FFF2-40B4-BE49-F238E27FC236}">
+                <a16:creationId xmlns:a16="http://schemas.microsoft.com/office/drawing/2014/main" id="{C15152A9-1906-4F22-9169-B7BC98880A12}"/>
               </a:ext>
             </a:extLst>
           </p:cNvPr>
@@ -4921,8 +4925,8 @@
         </p:nvSpPr>
         <p:spPr>
           <a:xfrm>
-            <a:off x="1598017" y="4569767"/>
-            <a:ext cx="1874520" cy="461665"/>
+            <a:off x="1598017" y="3426440"/>
+            <a:ext cx="2678379" cy="830997"/>
           </a:xfrm>
           <a:prstGeom prst="rect">
             <a:avLst/>
@@ -4935,6 +4939,17 @@
           </a:bodyPr>
           <a:lstStyle/>
           <a:p>
+            <a:r>
+              <a:rPr lang="en-GB" sz="2400" dirty="0" err="1">
+                <a:solidFill>
+                  <a:schemeClr val="accent1">
+                    <a:lumMod val="20000"/>
+                    <a:lumOff val="80000"/>
+                  </a:schemeClr>
+                </a:solidFill>
+              </a:rPr>
+              <a:t>Grigoriy</a:t>
+            </a:r>
             <a:r>
               <a:rPr lang="en-GB" sz="2400" dirty="0">
                 <a:solidFill>
@@ -4944,39 +4959,19 @@
                   </a:schemeClr>
                 </a:solidFill>
               </a:rPr>
-              <a:t>Scrum</a:t>
-            </a:r>
-          </a:p>
-        </p:txBody>
-      </p:sp>
-      <p:sp>
-        <p:nvSpPr>
-          <p:cNvPr id="20" name="TextBox 19">
-            <a:extLst>
-              <a:ext uri="{FF2B5EF4-FFF2-40B4-BE49-F238E27FC236}">
-                <a16:creationId xmlns:a16="http://schemas.microsoft.com/office/drawing/2014/main" id="{27E96A9E-6AEF-449F-84F2-5FCFFA8FB7D6}"/>
-              </a:ext>
-            </a:extLst>
-          </p:cNvPr>
-          <p:cNvSpPr txBox="1"/>
-          <p:nvPr/>
-        </p:nvSpPr>
-        <p:spPr>
-          <a:xfrm>
-            <a:off x="1598017" y="1821447"/>
-            <a:ext cx="1874520" cy="461665"/>
-          </a:xfrm>
-          <a:prstGeom prst="rect">
-            <a:avLst/>
-          </a:prstGeom>
-          <a:noFill/>
-        </p:spPr>
-        <p:txBody>
-          <a:bodyPr wrap="square" rtlCol="0">
-            <a:spAutoFit/>
-          </a:bodyPr>
-          <a:lstStyle/>
-          <a:p>
+              <a:t> </a:t>
+            </a:r>
+            <a:r>
+              <a:rPr lang="en-GB" sz="2400" dirty="0" err="1">
+                <a:solidFill>
+                  <a:schemeClr val="accent1">
+                    <a:lumMod val="20000"/>
+                    <a:lumOff val="80000"/>
+                  </a:schemeClr>
+                </a:solidFill>
+              </a:rPr>
+              <a:t>Kalashnik</a:t>
+            </a:r>
             <a:r>
               <a:rPr lang="en-GB" sz="2400" dirty="0">
                 <a:solidFill>
@@ -4986,7 +4981,146 @@
                   </a:schemeClr>
                 </a:solidFill>
               </a:rPr>
-              <a:t>Programmer</a:t>
+              <a:t>  - Q&amp;A</a:t>
+            </a:r>
+          </a:p>
+        </p:txBody>
+      </p:sp>
+      <p:sp>
+        <p:nvSpPr>
+          <p:cNvPr id="17" name="TextBox 16">
+            <a:extLst>
+              <a:ext uri="{FF2B5EF4-FFF2-40B4-BE49-F238E27FC236}">
+                <a16:creationId xmlns:a16="http://schemas.microsoft.com/office/drawing/2014/main" id="{4F6A7170-8981-4336-8FC3-30ABC45D6416}"/>
+              </a:ext>
+            </a:extLst>
+          </p:cNvPr>
+          <p:cNvSpPr txBox="1"/>
+          <p:nvPr/>
+        </p:nvSpPr>
+        <p:spPr>
+          <a:xfrm>
+            <a:off x="1598016" y="4343400"/>
+            <a:ext cx="2678379" cy="830997"/>
+          </a:xfrm>
+          <a:prstGeom prst="rect">
+            <a:avLst/>
+          </a:prstGeom>
+          <a:noFill/>
+        </p:spPr>
+        <p:txBody>
+          <a:bodyPr wrap="square" rtlCol="0">
+            <a:spAutoFit/>
+          </a:bodyPr>
+          <a:lstStyle/>
+          <a:p>
+            <a:r>
+              <a:rPr lang="en-GB" sz="2400" dirty="0">
+                <a:solidFill>
+                  <a:schemeClr val="accent1">
+                    <a:lumMod val="20000"/>
+                    <a:lumOff val="80000"/>
+                  </a:schemeClr>
+                </a:solidFill>
+              </a:rPr>
+              <a:t>Evgeniy </a:t>
+            </a:r>
+            <a:r>
+              <a:rPr lang="en-GB" sz="2400" dirty="0" err="1">
+                <a:solidFill>
+                  <a:schemeClr val="accent1">
+                    <a:lumMod val="20000"/>
+                    <a:lumOff val="80000"/>
+                  </a:schemeClr>
+                </a:solidFill>
+              </a:rPr>
+              <a:t>Kresnov</a:t>
+            </a:r>
+            <a:r>
+              <a:rPr lang="en-GB" sz="2400" dirty="0">
+                <a:solidFill>
+                  <a:schemeClr val="accent1">
+                    <a:lumMod val="20000"/>
+                    <a:lumOff val="80000"/>
+                  </a:schemeClr>
+                </a:solidFill>
+              </a:rPr>
+              <a:t> -Scrum</a:t>
+            </a:r>
+          </a:p>
+        </p:txBody>
+      </p:sp>
+      <p:sp>
+        <p:nvSpPr>
+          <p:cNvPr id="20" name="TextBox 19">
+            <a:extLst>
+              <a:ext uri="{FF2B5EF4-FFF2-40B4-BE49-F238E27FC236}">
+                <a16:creationId xmlns:a16="http://schemas.microsoft.com/office/drawing/2014/main" id="{27E96A9E-6AEF-449F-84F2-5FCFFA8FB7D6}"/>
+              </a:ext>
+            </a:extLst>
+          </p:cNvPr>
+          <p:cNvSpPr txBox="1"/>
+          <p:nvPr/>
+        </p:nvSpPr>
+        <p:spPr>
+          <a:xfrm>
+            <a:off x="1598017" y="1608608"/>
+            <a:ext cx="2678380" cy="830997"/>
+          </a:xfrm>
+          <a:prstGeom prst="rect">
+            <a:avLst/>
+          </a:prstGeom>
+          <a:noFill/>
+        </p:spPr>
+        <p:txBody>
+          <a:bodyPr wrap="square" rtlCol="0">
+            <a:spAutoFit/>
+          </a:bodyPr>
+          <a:lstStyle/>
+          <a:p>
+            <a:r>
+              <a:rPr lang="en-GB" sz="2400" dirty="0" err="1">
+                <a:solidFill>
+                  <a:schemeClr val="accent1">
+                    <a:lumMod val="20000"/>
+                    <a:lumOff val="80000"/>
+                  </a:schemeClr>
+                </a:solidFill>
+              </a:rPr>
+              <a:t>Anastasya</a:t>
+            </a:r>
+            <a:r>
+              <a:rPr lang="en-GB" sz="2400" dirty="0">
+                <a:solidFill>
+                  <a:schemeClr val="accent1">
+                    <a:lumMod val="20000"/>
+                    <a:lumOff val="80000"/>
+                  </a:schemeClr>
+                </a:solidFill>
+              </a:rPr>
+              <a:t> </a:t>
+            </a:r>
+            <a:r>
+              <a:rPr lang="en-GB" sz="2400" dirty="0" err="1">
+                <a:solidFill>
+                  <a:schemeClr val="accent1">
+                    <a:lumMod val="20000"/>
+                    <a:lumOff val="80000"/>
+                  </a:schemeClr>
+                </a:solidFill>
+              </a:rPr>
+              <a:t>Gorska</a:t>
+            </a:r>
+            <a:r>
+              <a:rPr lang="en-GB" sz="2400" dirty="0">
+                <a:solidFill>
+                  <a:schemeClr val="accent1">
+                    <a:lumMod val="20000"/>
+                    <a:lumOff val="80000"/>
+                  </a:schemeClr>
+                </a:solidFill>
+              </a:rPr>
+              <a:t> -Programmer</a:t>
             </a:r>
           </a:p>
         </p:txBody>
@@ -5001,6 +5135,737 @@
   <p:clrMapOvr>
     <a:masterClrMapping/>
   </p:clrMapOvr>
+  <mc:AlternateContent xmlns:mc="http://schemas.openxmlformats.org/markup-compatibility/2006">
+    <mc:Choice xmlns:p159="http://schemas.microsoft.com/office/powerpoint/2015/09/main" Requires="p159">
+      <p:transition xmlns:p14="http://schemas.microsoft.com/office/powerpoint/2010/main" spd="slow" p14:dur="2000">
+        <p159:morph option="byObject"/>
+      </p:transition>
+    </mc:Choice>
+    <mc:Fallback>
+      <p:transition spd="slow">
+        <p:fade/>
+      </p:transition>
+    </mc:Fallback>
+  </mc:AlternateContent>
+</p:sld>
+</file>
+
+<file path=ppt/slides/slide3.xml><?xml version="1.0" encoding="utf-8"?>
+<p:sld xmlns:a="http://schemas.openxmlformats.org/drawingml/2006/main" xmlns:r="http://schemas.openxmlformats.org/officeDocument/2006/relationships" xmlns:p="http://schemas.openxmlformats.org/presentationml/2006/main">
+  <p:cSld>
+    <p:bg>
+      <p:bgPr>
+        <a:gradFill>
+          <a:gsLst>
+            <a:gs pos="86000">
+              <a:schemeClr val="accent1">
+                <a:lumMod val="75000"/>
+              </a:schemeClr>
+            </a:gs>
+            <a:gs pos="58000">
+              <a:schemeClr val="accent1">
+                <a:lumMod val="50000"/>
+              </a:schemeClr>
+            </a:gs>
+            <a:gs pos="100000">
+              <a:schemeClr val="accent1">
+                <a:lumMod val="60000"/>
+                <a:lumOff val="40000"/>
+              </a:schemeClr>
+            </a:gs>
+          </a:gsLst>
+          <a:lin ang="5400000" scaled="1"/>
+        </a:gradFill>
+        <a:effectLst/>
+      </p:bgPr>
+    </p:bg>
+    <p:spTree>
+      <p:nvGrpSpPr>
+        <p:cNvPr id="1" name=""/>
+        <p:cNvGrpSpPr/>
+        <p:nvPr/>
+      </p:nvGrpSpPr>
+      <p:grpSpPr>
+        <a:xfrm>
+          <a:off x="0" y="0"/>
+          <a:ext cx="0" cy="0"/>
+          <a:chOff x="0" y="0"/>
+          <a:chExt cx="0" cy="0"/>
+        </a:xfrm>
+      </p:grpSpPr>
+      <p:sp>
+        <p:nvSpPr>
+          <p:cNvPr id="18" name="Freeform: Shape 17">
+            <a:extLst>
+              <a:ext uri="{FF2B5EF4-FFF2-40B4-BE49-F238E27FC236}">
+                <a16:creationId xmlns:a16="http://schemas.microsoft.com/office/drawing/2014/main" id="{CFBDC640-52FA-44A8-A712-903930F72C26}"/>
+              </a:ext>
+            </a:extLst>
+          </p:cNvPr>
+          <p:cNvSpPr/>
+          <p:nvPr/>
+        </p:nvSpPr>
+        <p:spPr>
+          <a:xfrm rot="2819801">
+            <a:off x="4616439" y="-1120390"/>
+            <a:ext cx="9716622" cy="7790540"/>
+          </a:xfrm>
+          <a:custGeom>
+            <a:avLst/>
+            <a:gdLst>
+              <a:gd name="connsiteX0" fmla="*/ 8266027 w 9716622"/>
+              <a:gd name="connsiteY0" fmla="*/ 4080486 h 7790540"/>
+              <a:gd name="connsiteX1" fmla="*/ 8779555 w 9716622"/>
+              <a:gd name="connsiteY1" fmla="*/ 3836204 h 7790540"/>
+              <a:gd name="connsiteX2" fmla="*/ 8838187 w 9716622"/>
+              <a:gd name="connsiteY2" fmla="*/ 3833243 h 7790540"/>
+              <a:gd name="connsiteX3" fmla="*/ 9713470 w 9716622"/>
+              <a:gd name="connsiteY3" fmla="*/ 4649552 h 7790540"/>
+              <a:gd name="connsiteX4" fmla="*/ 9716622 w 9716622"/>
+              <a:gd name="connsiteY4" fmla="*/ 4680819 h 7790540"/>
+              <a:gd name="connsiteX5" fmla="*/ 9716621 w 9716622"/>
+              <a:gd name="connsiteY5" fmla="*/ 4680819 h 7790540"/>
+              <a:gd name="connsiteX6" fmla="*/ 9715270 w 9716622"/>
+              <a:gd name="connsiteY6" fmla="*/ 4707562 h 7790540"/>
+              <a:gd name="connsiteX7" fmla="*/ 8952409 w 9716622"/>
+              <a:gd name="connsiteY7" fmla="*/ 5525537 h 7790540"/>
+              <a:gd name="connsiteX8" fmla="*/ 8867622 w 9716622"/>
+              <a:gd name="connsiteY8" fmla="*/ 5529818 h 7790540"/>
+              <a:gd name="connsiteX9" fmla="*/ 8866360 w 9716622"/>
+              <a:gd name="connsiteY9" fmla="*/ 5529817 h 7790540"/>
+              <a:gd name="connsiteX10" fmla="*/ 8021744 w 9716622"/>
+              <a:gd name="connsiteY10" fmla="*/ 4767623 h 7790540"/>
+              <a:gd name="connsiteX11" fmla="*/ 8017361 w 9716622"/>
+              <a:gd name="connsiteY11" fmla="*/ 4680819 h 7790540"/>
+              <a:gd name="connsiteX12" fmla="*/ 8034610 w 9716622"/>
+              <a:gd name="connsiteY12" fmla="*/ 4509716 h 7790540"/>
+              <a:gd name="connsiteX13" fmla="*/ 8266027 w 9716622"/>
+              <a:gd name="connsiteY13" fmla="*/ 4080486 h 7790540"/>
+              <a:gd name="connsiteX14" fmla="*/ 4186985 w 9716622"/>
+              <a:gd name="connsiteY14" fmla="*/ 5286723 h 7790540"/>
+              <a:gd name="connsiteX15" fmla="*/ 4787764 w 9716622"/>
+              <a:gd name="connsiteY15" fmla="*/ 5037873 h 7790540"/>
+              <a:gd name="connsiteX16" fmla="*/ 5637394 w 9716622"/>
+              <a:gd name="connsiteY16" fmla="*/ 5887502 h 7790540"/>
+              <a:gd name="connsiteX17" fmla="*/ 5637394 w 9716622"/>
+              <a:gd name="connsiteY17" fmla="*/ 6838123 h 7790540"/>
+              <a:gd name="connsiteX18" fmla="*/ 4787764 w 9716622"/>
+              <a:gd name="connsiteY18" fmla="*/ 7687752 h 7790540"/>
+              <a:gd name="connsiteX19" fmla="*/ 3938134 w 9716622"/>
+              <a:gd name="connsiteY19" fmla="*/ 6838122 h 7790540"/>
+              <a:gd name="connsiteX20" fmla="*/ 3938134 w 9716622"/>
+              <a:gd name="connsiteY20" fmla="*/ 5887502 h 7790540"/>
+              <a:gd name="connsiteX21" fmla="*/ 4186985 w 9716622"/>
+              <a:gd name="connsiteY21" fmla="*/ 5286723 h 7790540"/>
+              <a:gd name="connsiteX22" fmla="*/ 6006308 w 9716622"/>
+              <a:gd name="connsiteY22" fmla="*/ 1192166 h 7790540"/>
+              <a:gd name="connsiteX23" fmla="*/ 7705568 w 9716622"/>
+              <a:gd name="connsiteY23" fmla="*/ 2776936 h 7790540"/>
+              <a:gd name="connsiteX24" fmla="*/ 7705568 w 9716622"/>
+              <a:gd name="connsiteY24" fmla="*/ 6862454 h 7790540"/>
+              <a:gd name="connsiteX25" fmla="*/ 6840014 w 9716622"/>
+              <a:gd name="connsiteY25" fmla="*/ 7790540 h 7790540"/>
+              <a:gd name="connsiteX26" fmla="*/ 6684708 w 9716622"/>
+              <a:gd name="connsiteY26" fmla="*/ 7774884 h 7790540"/>
+              <a:gd name="connsiteX27" fmla="*/ 6006308 w 9716622"/>
+              <a:gd name="connsiteY27" fmla="*/ 6942515 h 7790540"/>
+              <a:gd name="connsiteX28" fmla="*/ 2171961 w 9716622"/>
+              <a:gd name="connsiteY28" fmla="*/ 4648778 h 7790540"/>
+              <a:gd name="connsiteX29" fmla="*/ 2772293 w 9716622"/>
+              <a:gd name="connsiteY29" fmla="*/ 4400112 h 7790540"/>
+              <a:gd name="connsiteX30" fmla="*/ 2773557 w 9716622"/>
+              <a:gd name="connsiteY30" fmla="*/ 4400111 h 7790540"/>
+              <a:gd name="connsiteX31" fmla="*/ 3622556 w 9716622"/>
+              <a:gd name="connsiteY31" fmla="*/ 5249110 h 7790540"/>
+              <a:gd name="connsiteX32" fmla="*/ 3622554 w 9716622"/>
+              <a:gd name="connsiteY32" fmla="*/ 5249110 h 7790540"/>
+              <a:gd name="connsiteX33" fmla="*/ 2773555 w 9716622"/>
+              <a:gd name="connsiteY33" fmla="*/ 6098109 h 7790540"/>
+              <a:gd name="connsiteX34" fmla="*/ 2772293 w 9716622"/>
+              <a:gd name="connsiteY34" fmla="*/ 6098108 h 7790540"/>
+              <a:gd name="connsiteX35" fmla="*/ 1927678 w 9716622"/>
+              <a:gd name="connsiteY35" fmla="*/ 5335915 h 7790540"/>
+              <a:gd name="connsiteX36" fmla="*/ 1923295 w 9716622"/>
+              <a:gd name="connsiteY36" fmla="*/ 5249110 h 7790540"/>
+              <a:gd name="connsiteX37" fmla="*/ 1940544 w 9716622"/>
+              <a:gd name="connsiteY37" fmla="*/ 5078008 h 7790540"/>
+              <a:gd name="connsiteX38" fmla="*/ 2171961 w 9716622"/>
+              <a:gd name="connsiteY38" fmla="*/ 4648778 h 7790540"/>
+              <a:gd name="connsiteX39" fmla="*/ 3991646 w 9716622"/>
+              <a:gd name="connsiteY39" fmla="*/ 789567 h 7790540"/>
+              <a:gd name="connsiteX40" fmla="*/ 4728015 w 9716622"/>
+              <a:gd name="connsiteY40" fmla="*/ 0 h 7790540"/>
+              <a:gd name="connsiteX41" fmla="*/ 5690905 w 9716622"/>
+              <a:gd name="connsiteY41" fmla="*/ 898014 h 7790540"/>
+              <a:gd name="connsiteX42" fmla="*/ 5690905 w 9716622"/>
+              <a:gd name="connsiteY42" fmla="*/ 3943786 h 7790540"/>
+              <a:gd name="connsiteX43" fmla="*/ 4841275 w 9716622"/>
+              <a:gd name="connsiteY43" fmla="*/ 4793416 h 7790540"/>
+              <a:gd name="connsiteX44" fmla="*/ 3991646 w 9716622"/>
+              <a:gd name="connsiteY44" fmla="*/ 3943787 h 7790540"/>
+              <a:gd name="connsiteX45" fmla="*/ 1894189 w 9716622"/>
+              <a:gd name="connsiteY45" fmla="*/ 3038554 h 7790540"/>
+              <a:gd name="connsiteX46" fmla="*/ 3593448 w 9716622"/>
+              <a:gd name="connsiteY46" fmla="*/ 1216533 h 7790540"/>
+              <a:gd name="connsiteX47" fmla="*/ 3593448 w 9716622"/>
+              <a:gd name="connsiteY47" fmla="*/ 3165064 h 7790540"/>
+              <a:gd name="connsiteX48" fmla="*/ 2743819 w 9716622"/>
+              <a:gd name="connsiteY48" fmla="*/ 4014694 h 7790540"/>
+              <a:gd name="connsiteX49" fmla="*/ 1894189 w 9716622"/>
+              <a:gd name="connsiteY49" fmla="*/ 3165064 h 7790540"/>
+              <a:gd name="connsiteX50" fmla="*/ 0 w 9716622"/>
+              <a:gd name="connsiteY50" fmla="*/ 5069587 h 7790540"/>
+              <a:gd name="connsiteX51" fmla="*/ 1699260 w 9716622"/>
+              <a:gd name="connsiteY51" fmla="*/ 3247566 h 7790540"/>
+              <a:gd name="connsiteX52" fmla="*/ 1699260 w 9716622"/>
+              <a:gd name="connsiteY52" fmla="*/ 6751545 h 7790540"/>
+              <a:gd name="connsiteX53" fmla="*/ 849630 w 9716622"/>
+              <a:gd name="connsiteY53" fmla="*/ 7601176 h 7790540"/>
+              <a:gd name="connsiteX54" fmla="*/ 0 w 9716622"/>
+              <a:gd name="connsiteY54" fmla="*/ 6751545 h 7790540"/>
+            </a:gdLst>
+            <a:ahLst/>
+            <a:cxnLst>
+              <a:cxn ang="0">
+                <a:pos x="connsiteX0" y="connsiteY0"/>
+              </a:cxn>
+              <a:cxn ang="0">
+                <a:pos x="connsiteX1" y="connsiteY1"/>
+              </a:cxn>
+              <a:cxn ang="0">
+                <a:pos x="connsiteX2" y="connsiteY2"/>
+              </a:cxn>
+              <a:cxn ang="0">
+                <a:pos x="connsiteX3" y="connsiteY3"/>
+              </a:cxn>
+              <a:cxn ang="0">
+                <a:pos x="connsiteX4" y="connsiteY4"/>
+              </a:cxn>
+              <a:cxn ang="0">
+                <a:pos x="connsiteX5" y="connsiteY5"/>
+              </a:cxn>
+              <a:cxn ang="0">
+                <a:pos x="connsiteX6" y="connsiteY6"/>
+              </a:cxn>
+              <a:cxn ang="0">
+                <a:pos x="connsiteX7" y="connsiteY7"/>
+              </a:cxn>
+              <a:cxn ang="0">
+                <a:pos x="connsiteX8" y="connsiteY8"/>
+              </a:cxn>
+              <a:cxn ang="0">
+                <a:pos x="connsiteX9" y="connsiteY9"/>
+              </a:cxn>
+              <a:cxn ang="0">
+                <a:pos x="connsiteX10" y="connsiteY10"/>
+              </a:cxn>
+              <a:cxn ang="0">
+                <a:pos x="connsiteX11" y="connsiteY11"/>
+              </a:cxn>
+              <a:cxn ang="0">
+                <a:pos x="connsiteX12" y="connsiteY12"/>
+              </a:cxn>
+              <a:cxn ang="0">
+                <a:pos x="connsiteX13" y="connsiteY13"/>
+              </a:cxn>
+              <a:cxn ang="0">
+                <a:pos x="connsiteX14" y="connsiteY14"/>
+              </a:cxn>
+              <a:cxn ang="0">
+                <a:pos x="connsiteX15" y="connsiteY15"/>
+              </a:cxn>
+              <a:cxn ang="0">
+                <a:pos x="connsiteX16" y="connsiteY16"/>
+              </a:cxn>
+              <a:cxn ang="0">
+                <a:pos x="connsiteX17" y="connsiteY17"/>
+              </a:cxn>
+              <a:cxn ang="0">
+                <a:pos x="connsiteX18" y="connsiteY18"/>
+              </a:cxn>
+              <a:cxn ang="0">
+                <a:pos x="connsiteX19" y="connsiteY19"/>
+              </a:cxn>
+              <a:cxn ang="0">
+                <a:pos x="connsiteX20" y="connsiteY20"/>
+              </a:cxn>
+              <a:cxn ang="0">
+                <a:pos x="connsiteX21" y="connsiteY21"/>
+              </a:cxn>
+              <a:cxn ang="0">
+                <a:pos x="connsiteX22" y="connsiteY22"/>
+              </a:cxn>
+              <a:cxn ang="0">
+                <a:pos x="connsiteX23" y="connsiteY23"/>
+              </a:cxn>
+              <a:cxn ang="0">
+                <a:pos x="connsiteX24" y="connsiteY24"/>
+              </a:cxn>
+              <a:cxn ang="0">
+                <a:pos x="connsiteX25" y="connsiteY25"/>
+              </a:cxn>
+              <a:cxn ang="0">
+                <a:pos x="connsiteX26" y="connsiteY26"/>
+              </a:cxn>
+              <a:cxn ang="0">
+                <a:pos x="connsiteX27" y="connsiteY27"/>
+              </a:cxn>
+              <a:cxn ang="0">
+                <a:pos x="connsiteX28" y="connsiteY28"/>
+              </a:cxn>
+              <a:cxn ang="0">
+                <a:pos x="connsiteX29" y="connsiteY29"/>
+              </a:cxn>
+              <a:cxn ang="0">
+                <a:pos x="connsiteX30" y="connsiteY30"/>
+              </a:cxn>
+              <a:cxn ang="0">
+                <a:pos x="connsiteX31" y="connsiteY31"/>
+              </a:cxn>
+              <a:cxn ang="0">
+                <a:pos x="connsiteX32" y="connsiteY32"/>
+              </a:cxn>
+              <a:cxn ang="0">
+                <a:pos x="connsiteX33" y="connsiteY33"/>
+              </a:cxn>
+              <a:cxn ang="0">
+                <a:pos x="connsiteX34" y="connsiteY34"/>
+              </a:cxn>
+              <a:cxn ang="0">
+                <a:pos x="connsiteX35" y="connsiteY35"/>
+              </a:cxn>
+              <a:cxn ang="0">
+                <a:pos x="connsiteX36" y="connsiteY36"/>
+              </a:cxn>
+              <a:cxn ang="0">
+                <a:pos x="connsiteX37" y="connsiteY37"/>
+              </a:cxn>
+              <a:cxn ang="0">
+                <a:pos x="connsiteX38" y="connsiteY38"/>
+              </a:cxn>
+              <a:cxn ang="0">
+                <a:pos x="connsiteX39" y="connsiteY39"/>
+              </a:cxn>
+              <a:cxn ang="0">
+                <a:pos x="connsiteX40" y="connsiteY40"/>
+              </a:cxn>
+              <a:cxn ang="0">
+                <a:pos x="connsiteX41" y="connsiteY41"/>
+              </a:cxn>
+              <a:cxn ang="0">
+                <a:pos x="connsiteX42" y="connsiteY42"/>
+              </a:cxn>
+              <a:cxn ang="0">
+                <a:pos x="connsiteX43" y="connsiteY43"/>
+              </a:cxn>
+              <a:cxn ang="0">
+                <a:pos x="connsiteX44" y="connsiteY44"/>
+              </a:cxn>
+              <a:cxn ang="0">
+                <a:pos x="connsiteX45" y="connsiteY45"/>
+              </a:cxn>
+              <a:cxn ang="0">
+                <a:pos x="connsiteX46" y="connsiteY46"/>
+              </a:cxn>
+              <a:cxn ang="0">
+                <a:pos x="connsiteX47" y="connsiteY47"/>
+              </a:cxn>
+              <a:cxn ang="0">
+                <a:pos x="connsiteX48" y="connsiteY48"/>
+              </a:cxn>
+              <a:cxn ang="0">
+                <a:pos x="connsiteX49" y="connsiteY49"/>
+              </a:cxn>
+              <a:cxn ang="0">
+                <a:pos x="connsiteX50" y="connsiteY50"/>
+              </a:cxn>
+              <a:cxn ang="0">
+                <a:pos x="connsiteX51" y="connsiteY51"/>
+              </a:cxn>
+              <a:cxn ang="0">
+                <a:pos x="connsiteX52" y="connsiteY52"/>
+              </a:cxn>
+              <a:cxn ang="0">
+                <a:pos x="connsiteX53" y="connsiteY53"/>
+              </a:cxn>
+              <a:cxn ang="0">
+                <a:pos x="connsiteX54" y="connsiteY54"/>
+              </a:cxn>
+            </a:cxnLst>
+            <a:rect l="l" t="t" r="r" b="b"/>
+            <a:pathLst>
+              <a:path w="9716622" h="7790540">
+                <a:moveTo>
+                  <a:pt x="8266027" y="4080486"/>
+                </a:moveTo>
+                <a:cubicBezTo>
+                  <a:pt x="8400461" y="3946052"/>
+                  <a:pt x="8579769" y="3856493"/>
+                  <a:pt x="8779555" y="3836204"/>
+                </a:cubicBezTo>
+                <a:lnTo>
+                  <a:pt x="8838187" y="3833243"/>
+                </a:lnTo>
+                <a:lnTo>
+                  <a:pt x="9713470" y="4649552"/>
+                </a:lnTo>
+                <a:lnTo>
+                  <a:pt x="9716622" y="4680819"/>
+                </a:lnTo>
+                <a:lnTo>
+                  <a:pt x="9716621" y="4680819"/>
+                </a:lnTo>
+                <a:lnTo>
+                  <a:pt x="9715270" y="4707562"/>
+                </a:lnTo>
+                <a:lnTo>
+                  <a:pt x="8952409" y="5525537"/>
+                </a:lnTo>
+                <a:lnTo>
+                  <a:pt x="8867622" y="5529818"/>
+                </a:lnTo>
+                <a:lnTo>
+                  <a:pt x="8866360" y="5529817"/>
+                </a:lnTo>
+                <a:cubicBezTo>
+                  <a:pt x="8426777" y="5529816"/>
+                  <a:pt x="8065221" y="5195736"/>
+                  <a:pt x="8021744" y="4767623"/>
+                </a:cubicBezTo>
+                <a:lnTo>
+                  <a:pt x="8017361" y="4680819"/>
+                </a:lnTo>
+                <a:lnTo>
+                  <a:pt x="8034610" y="4509716"/>
+                </a:lnTo>
+                <a:cubicBezTo>
+                  <a:pt x="8068538" y="4343913"/>
+                  <a:pt x="8150798" y="4195716"/>
+                  <a:pt x="8266027" y="4080486"/>
+                </a:cubicBezTo>
+                <a:close/>
+                <a:moveTo>
+                  <a:pt x="4186985" y="5286723"/>
+                </a:moveTo>
+                <a:cubicBezTo>
+                  <a:pt x="4340737" y="5132970"/>
+                  <a:pt x="4553145" y="5037872"/>
+                  <a:pt x="4787764" y="5037873"/>
+                </a:cubicBezTo>
+                <a:cubicBezTo>
+                  <a:pt x="5257002" y="5037872"/>
+                  <a:pt x="5637394" y="5418264"/>
+                  <a:pt x="5637394" y="5887502"/>
+                </a:cubicBezTo>
+                <a:lnTo>
+                  <a:pt x="5637394" y="6838123"/>
+                </a:lnTo>
+                <a:cubicBezTo>
+                  <a:pt x="5637394" y="7307360"/>
+                  <a:pt x="5257002" y="7687752"/>
+                  <a:pt x="4787764" y="7687752"/>
+                </a:cubicBezTo>
+                <a:cubicBezTo>
+                  <a:pt x="4318526" y="7687752"/>
+                  <a:pt x="3938133" y="7307361"/>
+                  <a:pt x="3938134" y="6838122"/>
+                </a:cubicBezTo>
+                <a:lnTo>
+                  <a:pt x="3938134" y="5887502"/>
+                </a:lnTo>
+                <a:cubicBezTo>
+                  <a:pt x="3938134" y="5652883"/>
+                  <a:pt x="4033232" y="5440476"/>
+                  <a:pt x="4186985" y="5286723"/>
+                </a:cubicBezTo>
+                <a:close/>
+                <a:moveTo>
+                  <a:pt x="6006308" y="1192166"/>
+                </a:moveTo>
+                <a:lnTo>
+                  <a:pt x="7705568" y="2776936"/>
+                </a:lnTo>
+                <a:lnTo>
+                  <a:pt x="7705568" y="6862454"/>
+                </a:lnTo>
+                <a:lnTo>
+                  <a:pt x="6840014" y="7790540"/>
+                </a:lnTo>
+                <a:lnTo>
+                  <a:pt x="6684708" y="7774884"/>
+                </a:lnTo>
+                <a:cubicBezTo>
+                  <a:pt x="6297545" y="7695659"/>
+                  <a:pt x="6006308" y="7353099"/>
+                  <a:pt x="6006308" y="6942515"/>
+                </a:cubicBezTo>
+                <a:close/>
+                <a:moveTo>
+                  <a:pt x="2171961" y="4648778"/>
+                </a:moveTo>
+                <a:cubicBezTo>
+                  <a:pt x="2325600" y="4495139"/>
+                  <a:pt x="2537849" y="4400111"/>
+                  <a:pt x="2772293" y="4400112"/>
+                </a:cubicBezTo>
+                <a:lnTo>
+                  <a:pt x="2773557" y="4400111"/>
+                </a:lnTo>
+                <a:cubicBezTo>
+                  <a:pt x="3242446" y="4400112"/>
+                  <a:pt x="3622556" y="4780221"/>
+                  <a:pt x="3622556" y="5249110"/>
+                </a:cubicBezTo>
+                <a:lnTo>
+                  <a:pt x="3622554" y="5249110"/>
+                </a:lnTo>
+                <a:cubicBezTo>
+                  <a:pt x="3622554" y="5717999"/>
+                  <a:pt x="3242444" y="6098109"/>
+                  <a:pt x="2773555" y="6098109"/>
+                </a:cubicBezTo>
+                <a:lnTo>
+                  <a:pt x="2772293" y="6098108"/>
+                </a:lnTo>
+                <a:cubicBezTo>
+                  <a:pt x="2332711" y="6098108"/>
+                  <a:pt x="1971155" y="5764028"/>
+                  <a:pt x="1927678" y="5335915"/>
+                </a:cubicBezTo>
+                <a:lnTo>
+                  <a:pt x="1923295" y="5249110"/>
+                </a:lnTo>
+                <a:lnTo>
+                  <a:pt x="1940544" y="5078008"/>
+                </a:lnTo>
+                <a:cubicBezTo>
+                  <a:pt x="1974472" y="4912204"/>
+                  <a:pt x="2056732" y="4764006"/>
+                  <a:pt x="2171961" y="4648778"/>
+                </a:cubicBezTo>
+                <a:close/>
+                <a:moveTo>
+                  <a:pt x="3991646" y="789567"/>
+                </a:moveTo>
+                <a:lnTo>
+                  <a:pt x="4728015" y="0"/>
+                </a:lnTo>
+                <a:lnTo>
+                  <a:pt x="5690905" y="898014"/>
+                </a:lnTo>
+                <a:lnTo>
+                  <a:pt x="5690905" y="3943786"/>
+                </a:lnTo>
+                <a:cubicBezTo>
+                  <a:pt x="5690905" y="4413024"/>
+                  <a:pt x="5310513" y="4793416"/>
+                  <a:pt x="4841275" y="4793416"/>
+                </a:cubicBezTo>
+                <a:cubicBezTo>
+                  <a:pt x="4372037" y="4793416"/>
+                  <a:pt x="3991645" y="4413024"/>
+                  <a:pt x="3991646" y="3943787"/>
+                </a:cubicBezTo>
+                <a:close/>
+                <a:moveTo>
+                  <a:pt x="1894189" y="3038554"/>
+                </a:moveTo>
+                <a:lnTo>
+                  <a:pt x="3593448" y="1216533"/>
+                </a:lnTo>
+                <a:lnTo>
+                  <a:pt x="3593448" y="3165064"/>
+                </a:lnTo>
+                <a:cubicBezTo>
+                  <a:pt x="3593449" y="3634302"/>
+                  <a:pt x="3213056" y="4014694"/>
+                  <a:pt x="2743819" y="4014694"/>
+                </a:cubicBezTo>
+                <a:cubicBezTo>
+                  <a:pt x="2274580" y="4014694"/>
+                  <a:pt x="1894188" y="3634302"/>
+                  <a:pt x="1894189" y="3165064"/>
+                </a:cubicBezTo>
+                <a:close/>
+                <a:moveTo>
+                  <a:pt x="0" y="5069587"/>
+                </a:moveTo>
+                <a:lnTo>
+                  <a:pt x="1699260" y="3247566"/>
+                </a:lnTo>
+                <a:lnTo>
+                  <a:pt x="1699260" y="6751545"/>
+                </a:lnTo>
+                <a:cubicBezTo>
+                  <a:pt x="1699261" y="7220782"/>
+                  <a:pt x="1318868" y="7601175"/>
+                  <a:pt x="849630" y="7601176"/>
+                </a:cubicBezTo>
+                <a:cubicBezTo>
+                  <a:pt x="380392" y="7601176"/>
+                  <a:pt x="0" y="7220783"/>
+                  <a:pt x="0" y="6751545"/>
+                </a:cubicBezTo>
+                <a:close/>
+              </a:path>
+            </a:pathLst>
+          </a:custGeom>
+          <a:blipFill dpi="0" rotWithShape="0">
+            <a:blip r:embed="rId2"/>
+            <a:srcRect/>
+            <a:stretch>
+              <a:fillRect/>
+            </a:stretch>
+          </a:blipFill>
+          <a:effectLst>
+            <a:innerShdw blurRad="673100" dist="381000" dir="13080000">
+              <a:schemeClr val="tx1">
+                <a:alpha val="40000"/>
+              </a:schemeClr>
+            </a:innerShdw>
+          </a:effectLst>
+        </p:spPr>
+        <p:style>
+          <a:lnRef idx="2">
+            <a:schemeClr val="accent1">
+              <a:shade val="50000"/>
+            </a:schemeClr>
+          </a:lnRef>
+          <a:fillRef idx="1">
+            <a:schemeClr val="accent1"/>
+          </a:fillRef>
+          <a:effectRef idx="0">
+            <a:schemeClr val="accent1"/>
+          </a:effectRef>
+          <a:fontRef idx="minor">
+            <a:schemeClr val="lt1"/>
+          </a:fontRef>
+        </p:style>
+        <p:txBody>
+          <a:bodyPr wrap="square" rtlCol="0" anchor="ctr">
+            <a:noAutofit/>
+          </a:bodyPr>
+          <a:lstStyle/>
+          <a:p>
+            <a:pPr algn="ctr"/>
+            <a:endParaRPr lang="en-GB">
+              <a:effectLst>
+                <a:outerShdw dist="152400" dir="3240000" algn="ctr" rotWithShape="0">
+                  <a:srgbClr val="000000">
+                    <a:alpha val="43137"/>
+                  </a:srgbClr>
+                </a:outerShdw>
+              </a:effectLst>
+            </a:endParaRPr>
+          </a:p>
+        </p:txBody>
+      </p:sp>
+      <p:sp>
+        <p:nvSpPr>
+          <p:cNvPr id="3" name="TextBox 2">
+            <a:extLst>
+              <a:ext uri="{FF2B5EF4-FFF2-40B4-BE49-F238E27FC236}">
+                <a16:creationId xmlns:a16="http://schemas.microsoft.com/office/drawing/2014/main" id="{79A97C62-BCC8-4546-BC8F-C1D808D2D72B}"/>
+              </a:ext>
+            </a:extLst>
+          </p:cNvPr>
+          <p:cNvSpPr txBox="1"/>
+          <p:nvPr/>
+        </p:nvSpPr>
+        <p:spPr>
+          <a:xfrm>
+            <a:off x="521840" y="622739"/>
+            <a:ext cx="2974164" cy="523220"/>
+          </a:xfrm>
+          <a:prstGeom prst="rect">
+            <a:avLst/>
+          </a:prstGeom>
+          <a:noFill/>
+        </p:spPr>
+        <p:txBody>
+          <a:bodyPr wrap="square" rtlCol="0">
+            <a:spAutoFit/>
+          </a:bodyPr>
+          <a:lstStyle/>
+          <a:p>
+            <a:r>
+              <a:rPr lang="en-GB" sz="2800" dirty="0">
+                <a:solidFill>
+                  <a:schemeClr val="tx2">
+                    <a:lumMod val="20000"/>
+                    <a:lumOff val="80000"/>
+                  </a:schemeClr>
+                </a:solidFill>
+              </a:rPr>
+              <a:t>Introduction</a:t>
+            </a:r>
+          </a:p>
+        </p:txBody>
+      </p:sp>
+      <p:sp>
+        <p:nvSpPr>
+          <p:cNvPr id="4" name="TextBox 3">
+            <a:extLst>
+              <a:ext uri="{FF2B5EF4-FFF2-40B4-BE49-F238E27FC236}">
+                <a16:creationId xmlns:a16="http://schemas.microsoft.com/office/drawing/2014/main" id="{5354157F-3A3D-4BF0-9A5F-F3C5997E05AF}"/>
+              </a:ext>
+            </a:extLst>
+          </p:cNvPr>
+          <p:cNvSpPr txBox="1"/>
+          <p:nvPr/>
+        </p:nvSpPr>
+        <p:spPr>
+          <a:xfrm>
+            <a:off x="595149" y="1588376"/>
+            <a:ext cx="2534306" cy="4154984"/>
+          </a:xfrm>
+          <a:prstGeom prst="rect">
+            <a:avLst/>
+          </a:prstGeom>
+          <a:noFill/>
+        </p:spPr>
+        <p:txBody>
+          <a:bodyPr wrap="square" rtlCol="0">
+            <a:spAutoFit/>
+          </a:bodyPr>
+          <a:lstStyle/>
+          <a:p>
+            <a:r>
+              <a:rPr lang="en-GB" sz="2400" dirty="0">
+                <a:solidFill>
+                  <a:schemeClr val="tx2">
+                    <a:lumMod val="20000"/>
+                    <a:lumOff val="80000"/>
+                  </a:schemeClr>
+                </a:solidFill>
+              </a:rPr>
+              <a:t>Our project is about a test, where you need to choose a subject, and answer questions about it. Then, after answering you get a grade. If it is good enough you pass the test.</a:t>
+            </a:r>
+          </a:p>
+        </p:txBody>
+      </p:sp>
+    </p:spTree>
+    <p:extLst>
+      <p:ext uri="{BB962C8B-B14F-4D97-AF65-F5344CB8AC3E}">
+        <p14:creationId xmlns:p14="http://schemas.microsoft.com/office/powerpoint/2010/main" val="373586989"/>
+      </p:ext>
+    </p:extLst>
+  </p:cSld>
+  <p:clrMapOvr>
+    <a:masterClrMapping/>
+  </p:clrMapOvr>
+  <mc:AlternateContent xmlns:mc="http://schemas.openxmlformats.org/markup-compatibility/2006">
+    <mc:Choice xmlns:p159="http://schemas.microsoft.com/office/powerpoint/2015/09/main" Requires="p159">
+      <p:transition xmlns:p14="http://schemas.microsoft.com/office/powerpoint/2010/main" spd="slow" p14:dur="2000">
+        <p159:morph option="byObject"/>
+      </p:transition>
+    </mc:Choice>
+    <mc:Fallback>
+      <p:transition spd="slow">
+        <p:fade/>
+      </p:transition>
+    </mc:Fallback>
+  </mc:AlternateContent>
 </p:sld>
 </file>
 

--- a/Presentation/cave.pptx
+++ b/Presentation/cave.pptx
@@ -8,6 +8,7 @@
     <p:sldId id="256" r:id="rId2"/>
     <p:sldId id="257" r:id="rId3"/>
     <p:sldId id="258" r:id="rId4"/>
+    <p:sldId id="259" r:id="rId5"/>
   </p:sldIdLst>
   <p:sldSz cx="12192000" cy="6858000"/>
   <p:notesSz cx="6858000" cy="9144000"/>
@@ -4025,13 +4026,13 @@
   <p:clrMapOvr>
     <a:masterClrMapping/>
   </p:clrMapOvr>
-  <mc:AlternateContent xmlns:mc="http://schemas.openxmlformats.org/markup-compatibility/2006">
-    <mc:Choice xmlns:p159="http://schemas.microsoft.com/office/powerpoint/2015/09/main" Requires="p159">
+  <mc:AlternateContent xmlns:mc="http://schemas.openxmlformats.org/markup-compatibility/2006" xmlns:p159="http://schemas.microsoft.com/office/powerpoint/2015/09/main">
+    <mc:Choice Requires="p159">
       <p:transition xmlns:p14="http://schemas.microsoft.com/office/powerpoint/2010/main" spd="slow" p14:dur="2000">
         <p159:morph option="byObject"/>
       </p:transition>
     </mc:Choice>
-    <mc:Fallback>
+    <mc:Fallback xmlns="">
       <p:transition spd="slow">
         <p:fade/>
       </p:transition>
@@ -5135,13 +5136,13 @@
   <p:clrMapOvr>
     <a:masterClrMapping/>
   </p:clrMapOvr>
-  <mc:AlternateContent xmlns:mc="http://schemas.openxmlformats.org/markup-compatibility/2006">
-    <mc:Choice xmlns:p159="http://schemas.microsoft.com/office/powerpoint/2015/09/main" Requires="p159">
+  <mc:AlternateContent xmlns:mc="http://schemas.openxmlformats.org/markup-compatibility/2006" xmlns:p159="http://schemas.microsoft.com/office/powerpoint/2015/09/main">
+    <mc:Choice Requires="p159">
       <p:transition xmlns:p14="http://schemas.microsoft.com/office/powerpoint/2010/main" spd="slow" p14:dur="2000">
         <p159:morph option="byObject"/>
       </p:transition>
     </mc:Choice>
-    <mc:Fallback>
+    <mc:Fallback xmlns="">
       <p:transition spd="slow">
         <p:fade/>
       </p:transition>
@@ -5797,7 +5798,7 @@
                   </a:schemeClr>
                 </a:solidFill>
               </a:rPr>
-              <a:t>Introduction</a:t>
+              <a:t>Our idea</a:t>
             </a:r>
           </a:p>
         </p:txBody>
@@ -5848,6 +5849,935 @@
     <p:extLst>
       <p:ext uri="{BB962C8B-B14F-4D97-AF65-F5344CB8AC3E}">
         <p14:creationId xmlns:p14="http://schemas.microsoft.com/office/powerpoint/2010/main" val="373586989"/>
+      </p:ext>
+    </p:extLst>
+  </p:cSld>
+  <p:clrMapOvr>
+    <a:masterClrMapping/>
+  </p:clrMapOvr>
+  <mc:AlternateContent xmlns:mc="http://schemas.openxmlformats.org/markup-compatibility/2006" xmlns:p159="http://schemas.microsoft.com/office/powerpoint/2015/09/main">
+    <mc:Choice Requires="p159">
+      <p:transition xmlns:p14="http://schemas.microsoft.com/office/powerpoint/2010/main" spd="slow" p14:dur="2000">
+        <p159:morph option="byObject"/>
+      </p:transition>
+    </mc:Choice>
+    <mc:Fallback xmlns="">
+      <p:transition spd="slow">
+        <p:fade/>
+      </p:transition>
+    </mc:Fallback>
+  </mc:AlternateContent>
+</p:sld>
+</file>
+
+<file path=ppt/slides/slide4.xml><?xml version="1.0" encoding="utf-8"?>
+<p:sld xmlns:a="http://schemas.openxmlformats.org/drawingml/2006/main" xmlns:r="http://schemas.openxmlformats.org/officeDocument/2006/relationships" xmlns:p="http://schemas.openxmlformats.org/presentationml/2006/main">
+  <p:cSld>
+    <p:bg>
+      <p:bgPr>
+        <a:gradFill>
+          <a:gsLst>
+            <a:gs pos="86000">
+              <a:schemeClr val="accent1">
+                <a:lumMod val="75000"/>
+              </a:schemeClr>
+            </a:gs>
+            <a:gs pos="58000">
+              <a:schemeClr val="accent1">
+                <a:lumMod val="50000"/>
+              </a:schemeClr>
+            </a:gs>
+            <a:gs pos="100000">
+              <a:schemeClr val="accent1">
+                <a:lumMod val="60000"/>
+                <a:lumOff val="40000"/>
+              </a:schemeClr>
+            </a:gs>
+          </a:gsLst>
+          <a:lin ang="5400000" scaled="1"/>
+        </a:gradFill>
+        <a:effectLst/>
+      </p:bgPr>
+    </p:bg>
+    <p:spTree>
+      <p:nvGrpSpPr>
+        <p:cNvPr id="1" name=""/>
+        <p:cNvGrpSpPr/>
+        <p:nvPr/>
+      </p:nvGrpSpPr>
+      <p:grpSpPr>
+        <a:xfrm>
+          <a:off x="0" y="0"/>
+          <a:ext cx="0" cy="0"/>
+          <a:chOff x="0" y="0"/>
+          <a:chExt cx="0" cy="0"/>
+        </a:xfrm>
+      </p:grpSpPr>
+      <p:sp>
+        <p:nvSpPr>
+          <p:cNvPr id="18" name="Freeform: Shape 17">
+            <a:extLst>
+              <a:ext uri="{FF2B5EF4-FFF2-40B4-BE49-F238E27FC236}">
+                <a16:creationId xmlns:a16="http://schemas.microsoft.com/office/drawing/2014/main" id="{CFBDC640-52FA-44A8-A712-903930F72C26}"/>
+              </a:ext>
+            </a:extLst>
+          </p:cNvPr>
+          <p:cNvSpPr/>
+          <p:nvPr/>
+        </p:nvSpPr>
+        <p:spPr>
+          <a:xfrm rot="2819801">
+            <a:off x="4616439" y="-1120390"/>
+            <a:ext cx="9716622" cy="7790540"/>
+          </a:xfrm>
+          <a:custGeom>
+            <a:avLst/>
+            <a:gdLst>
+              <a:gd name="connsiteX0" fmla="*/ 8266027 w 9716622"/>
+              <a:gd name="connsiteY0" fmla="*/ 4080486 h 7790540"/>
+              <a:gd name="connsiteX1" fmla="*/ 8779555 w 9716622"/>
+              <a:gd name="connsiteY1" fmla="*/ 3836204 h 7790540"/>
+              <a:gd name="connsiteX2" fmla="*/ 8838187 w 9716622"/>
+              <a:gd name="connsiteY2" fmla="*/ 3833243 h 7790540"/>
+              <a:gd name="connsiteX3" fmla="*/ 9713470 w 9716622"/>
+              <a:gd name="connsiteY3" fmla="*/ 4649552 h 7790540"/>
+              <a:gd name="connsiteX4" fmla="*/ 9716622 w 9716622"/>
+              <a:gd name="connsiteY4" fmla="*/ 4680819 h 7790540"/>
+              <a:gd name="connsiteX5" fmla="*/ 9716621 w 9716622"/>
+              <a:gd name="connsiteY5" fmla="*/ 4680819 h 7790540"/>
+              <a:gd name="connsiteX6" fmla="*/ 9715270 w 9716622"/>
+              <a:gd name="connsiteY6" fmla="*/ 4707562 h 7790540"/>
+              <a:gd name="connsiteX7" fmla="*/ 8952409 w 9716622"/>
+              <a:gd name="connsiteY7" fmla="*/ 5525537 h 7790540"/>
+              <a:gd name="connsiteX8" fmla="*/ 8867622 w 9716622"/>
+              <a:gd name="connsiteY8" fmla="*/ 5529818 h 7790540"/>
+              <a:gd name="connsiteX9" fmla="*/ 8866360 w 9716622"/>
+              <a:gd name="connsiteY9" fmla="*/ 5529817 h 7790540"/>
+              <a:gd name="connsiteX10" fmla="*/ 8021744 w 9716622"/>
+              <a:gd name="connsiteY10" fmla="*/ 4767623 h 7790540"/>
+              <a:gd name="connsiteX11" fmla="*/ 8017361 w 9716622"/>
+              <a:gd name="connsiteY11" fmla="*/ 4680819 h 7790540"/>
+              <a:gd name="connsiteX12" fmla="*/ 8034610 w 9716622"/>
+              <a:gd name="connsiteY12" fmla="*/ 4509716 h 7790540"/>
+              <a:gd name="connsiteX13" fmla="*/ 8266027 w 9716622"/>
+              <a:gd name="connsiteY13" fmla="*/ 4080486 h 7790540"/>
+              <a:gd name="connsiteX14" fmla="*/ 4186985 w 9716622"/>
+              <a:gd name="connsiteY14" fmla="*/ 5286723 h 7790540"/>
+              <a:gd name="connsiteX15" fmla="*/ 4787764 w 9716622"/>
+              <a:gd name="connsiteY15" fmla="*/ 5037873 h 7790540"/>
+              <a:gd name="connsiteX16" fmla="*/ 5637394 w 9716622"/>
+              <a:gd name="connsiteY16" fmla="*/ 5887502 h 7790540"/>
+              <a:gd name="connsiteX17" fmla="*/ 5637394 w 9716622"/>
+              <a:gd name="connsiteY17" fmla="*/ 6838123 h 7790540"/>
+              <a:gd name="connsiteX18" fmla="*/ 4787764 w 9716622"/>
+              <a:gd name="connsiteY18" fmla="*/ 7687752 h 7790540"/>
+              <a:gd name="connsiteX19" fmla="*/ 3938134 w 9716622"/>
+              <a:gd name="connsiteY19" fmla="*/ 6838122 h 7790540"/>
+              <a:gd name="connsiteX20" fmla="*/ 3938134 w 9716622"/>
+              <a:gd name="connsiteY20" fmla="*/ 5887502 h 7790540"/>
+              <a:gd name="connsiteX21" fmla="*/ 4186985 w 9716622"/>
+              <a:gd name="connsiteY21" fmla="*/ 5286723 h 7790540"/>
+              <a:gd name="connsiteX22" fmla="*/ 6006308 w 9716622"/>
+              <a:gd name="connsiteY22" fmla="*/ 1192166 h 7790540"/>
+              <a:gd name="connsiteX23" fmla="*/ 7705568 w 9716622"/>
+              <a:gd name="connsiteY23" fmla="*/ 2776936 h 7790540"/>
+              <a:gd name="connsiteX24" fmla="*/ 7705568 w 9716622"/>
+              <a:gd name="connsiteY24" fmla="*/ 6862454 h 7790540"/>
+              <a:gd name="connsiteX25" fmla="*/ 6840014 w 9716622"/>
+              <a:gd name="connsiteY25" fmla="*/ 7790540 h 7790540"/>
+              <a:gd name="connsiteX26" fmla="*/ 6684708 w 9716622"/>
+              <a:gd name="connsiteY26" fmla="*/ 7774884 h 7790540"/>
+              <a:gd name="connsiteX27" fmla="*/ 6006308 w 9716622"/>
+              <a:gd name="connsiteY27" fmla="*/ 6942515 h 7790540"/>
+              <a:gd name="connsiteX28" fmla="*/ 2171961 w 9716622"/>
+              <a:gd name="connsiteY28" fmla="*/ 4648778 h 7790540"/>
+              <a:gd name="connsiteX29" fmla="*/ 2772293 w 9716622"/>
+              <a:gd name="connsiteY29" fmla="*/ 4400112 h 7790540"/>
+              <a:gd name="connsiteX30" fmla="*/ 2773557 w 9716622"/>
+              <a:gd name="connsiteY30" fmla="*/ 4400111 h 7790540"/>
+              <a:gd name="connsiteX31" fmla="*/ 3622556 w 9716622"/>
+              <a:gd name="connsiteY31" fmla="*/ 5249110 h 7790540"/>
+              <a:gd name="connsiteX32" fmla="*/ 3622554 w 9716622"/>
+              <a:gd name="connsiteY32" fmla="*/ 5249110 h 7790540"/>
+              <a:gd name="connsiteX33" fmla="*/ 2773555 w 9716622"/>
+              <a:gd name="connsiteY33" fmla="*/ 6098109 h 7790540"/>
+              <a:gd name="connsiteX34" fmla="*/ 2772293 w 9716622"/>
+              <a:gd name="connsiteY34" fmla="*/ 6098108 h 7790540"/>
+              <a:gd name="connsiteX35" fmla="*/ 1927678 w 9716622"/>
+              <a:gd name="connsiteY35" fmla="*/ 5335915 h 7790540"/>
+              <a:gd name="connsiteX36" fmla="*/ 1923295 w 9716622"/>
+              <a:gd name="connsiteY36" fmla="*/ 5249110 h 7790540"/>
+              <a:gd name="connsiteX37" fmla="*/ 1940544 w 9716622"/>
+              <a:gd name="connsiteY37" fmla="*/ 5078008 h 7790540"/>
+              <a:gd name="connsiteX38" fmla="*/ 2171961 w 9716622"/>
+              <a:gd name="connsiteY38" fmla="*/ 4648778 h 7790540"/>
+              <a:gd name="connsiteX39" fmla="*/ 3991646 w 9716622"/>
+              <a:gd name="connsiteY39" fmla="*/ 789567 h 7790540"/>
+              <a:gd name="connsiteX40" fmla="*/ 4728015 w 9716622"/>
+              <a:gd name="connsiteY40" fmla="*/ 0 h 7790540"/>
+              <a:gd name="connsiteX41" fmla="*/ 5690905 w 9716622"/>
+              <a:gd name="connsiteY41" fmla="*/ 898014 h 7790540"/>
+              <a:gd name="connsiteX42" fmla="*/ 5690905 w 9716622"/>
+              <a:gd name="connsiteY42" fmla="*/ 3943786 h 7790540"/>
+              <a:gd name="connsiteX43" fmla="*/ 4841275 w 9716622"/>
+              <a:gd name="connsiteY43" fmla="*/ 4793416 h 7790540"/>
+              <a:gd name="connsiteX44" fmla="*/ 3991646 w 9716622"/>
+              <a:gd name="connsiteY44" fmla="*/ 3943787 h 7790540"/>
+              <a:gd name="connsiteX45" fmla="*/ 1894189 w 9716622"/>
+              <a:gd name="connsiteY45" fmla="*/ 3038554 h 7790540"/>
+              <a:gd name="connsiteX46" fmla="*/ 3593448 w 9716622"/>
+              <a:gd name="connsiteY46" fmla="*/ 1216533 h 7790540"/>
+              <a:gd name="connsiteX47" fmla="*/ 3593448 w 9716622"/>
+              <a:gd name="connsiteY47" fmla="*/ 3165064 h 7790540"/>
+              <a:gd name="connsiteX48" fmla="*/ 2743819 w 9716622"/>
+              <a:gd name="connsiteY48" fmla="*/ 4014694 h 7790540"/>
+              <a:gd name="connsiteX49" fmla="*/ 1894189 w 9716622"/>
+              <a:gd name="connsiteY49" fmla="*/ 3165064 h 7790540"/>
+              <a:gd name="connsiteX50" fmla="*/ 0 w 9716622"/>
+              <a:gd name="connsiteY50" fmla="*/ 5069587 h 7790540"/>
+              <a:gd name="connsiteX51" fmla="*/ 1699260 w 9716622"/>
+              <a:gd name="connsiteY51" fmla="*/ 3247566 h 7790540"/>
+              <a:gd name="connsiteX52" fmla="*/ 1699260 w 9716622"/>
+              <a:gd name="connsiteY52" fmla="*/ 6751545 h 7790540"/>
+              <a:gd name="connsiteX53" fmla="*/ 849630 w 9716622"/>
+              <a:gd name="connsiteY53" fmla="*/ 7601176 h 7790540"/>
+              <a:gd name="connsiteX54" fmla="*/ 0 w 9716622"/>
+              <a:gd name="connsiteY54" fmla="*/ 6751545 h 7790540"/>
+            </a:gdLst>
+            <a:ahLst/>
+            <a:cxnLst>
+              <a:cxn ang="0">
+                <a:pos x="connsiteX0" y="connsiteY0"/>
+              </a:cxn>
+              <a:cxn ang="0">
+                <a:pos x="connsiteX1" y="connsiteY1"/>
+              </a:cxn>
+              <a:cxn ang="0">
+                <a:pos x="connsiteX2" y="connsiteY2"/>
+              </a:cxn>
+              <a:cxn ang="0">
+                <a:pos x="connsiteX3" y="connsiteY3"/>
+              </a:cxn>
+              <a:cxn ang="0">
+                <a:pos x="connsiteX4" y="connsiteY4"/>
+              </a:cxn>
+              <a:cxn ang="0">
+                <a:pos x="connsiteX5" y="connsiteY5"/>
+              </a:cxn>
+              <a:cxn ang="0">
+                <a:pos x="connsiteX6" y="connsiteY6"/>
+              </a:cxn>
+              <a:cxn ang="0">
+                <a:pos x="connsiteX7" y="connsiteY7"/>
+              </a:cxn>
+              <a:cxn ang="0">
+                <a:pos x="connsiteX8" y="connsiteY8"/>
+              </a:cxn>
+              <a:cxn ang="0">
+                <a:pos x="connsiteX9" y="connsiteY9"/>
+              </a:cxn>
+              <a:cxn ang="0">
+                <a:pos x="connsiteX10" y="connsiteY10"/>
+              </a:cxn>
+              <a:cxn ang="0">
+                <a:pos x="connsiteX11" y="connsiteY11"/>
+              </a:cxn>
+              <a:cxn ang="0">
+                <a:pos x="connsiteX12" y="connsiteY12"/>
+              </a:cxn>
+              <a:cxn ang="0">
+                <a:pos x="connsiteX13" y="connsiteY13"/>
+              </a:cxn>
+              <a:cxn ang="0">
+                <a:pos x="connsiteX14" y="connsiteY14"/>
+              </a:cxn>
+              <a:cxn ang="0">
+                <a:pos x="connsiteX15" y="connsiteY15"/>
+              </a:cxn>
+              <a:cxn ang="0">
+                <a:pos x="connsiteX16" y="connsiteY16"/>
+              </a:cxn>
+              <a:cxn ang="0">
+                <a:pos x="connsiteX17" y="connsiteY17"/>
+              </a:cxn>
+              <a:cxn ang="0">
+                <a:pos x="connsiteX18" y="connsiteY18"/>
+              </a:cxn>
+              <a:cxn ang="0">
+                <a:pos x="connsiteX19" y="connsiteY19"/>
+              </a:cxn>
+              <a:cxn ang="0">
+                <a:pos x="connsiteX20" y="connsiteY20"/>
+              </a:cxn>
+              <a:cxn ang="0">
+                <a:pos x="connsiteX21" y="connsiteY21"/>
+              </a:cxn>
+              <a:cxn ang="0">
+                <a:pos x="connsiteX22" y="connsiteY22"/>
+              </a:cxn>
+              <a:cxn ang="0">
+                <a:pos x="connsiteX23" y="connsiteY23"/>
+              </a:cxn>
+              <a:cxn ang="0">
+                <a:pos x="connsiteX24" y="connsiteY24"/>
+              </a:cxn>
+              <a:cxn ang="0">
+                <a:pos x="connsiteX25" y="connsiteY25"/>
+              </a:cxn>
+              <a:cxn ang="0">
+                <a:pos x="connsiteX26" y="connsiteY26"/>
+              </a:cxn>
+              <a:cxn ang="0">
+                <a:pos x="connsiteX27" y="connsiteY27"/>
+              </a:cxn>
+              <a:cxn ang="0">
+                <a:pos x="connsiteX28" y="connsiteY28"/>
+              </a:cxn>
+              <a:cxn ang="0">
+                <a:pos x="connsiteX29" y="connsiteY29"/>
+              </a:cxn>
+              <a:cxn ang="0">
+                <a:pos x="connsiteX30" y="connsiteY30"/>
+              </a:cxn>
+              <a:cxn ang="0">
+                <a:pos x="connsiteX31" y="connsiteY31"/>
+              </a:cxn>
+              <a:cxn ang="0">
+                <a:pos x="connsiteX32" y="connsiteY32"/>
+              </a:cxn>
+              <a:cxn ang="0">
+                <a:pos x="connsiteX33" y="connsiteY33"/>
+              </a:cxn>
+              <a:cxn ang="0">
+                <a:pos x="connsiteX34" y="connsiteY34"/>
+              </a:cxn>
+              <a:cxn ang="0">
+                <a:pos x="connsiteX35" y="connsiteY35"/>
+              </a:cxn>
+              <a:cxn ang="0">
+                <a:pos x="connsiteX36" y="connsiteY36"/>
+              </a:cxn>
+              <a:cxn ang="0">
+                <a:pos x="connsiteX37" y="connsiteY37"/>
+              </a:cxn>
+              <a:cxn ang="0">
+                <a:pos x="connsiteX38" y="connsiteY38"/>
+              </a:cxn>
+              <a:cxn ang="0">
+                <a:pos x="connsiteX39" y="connsiteY39"/>
+              </a:cxn>
+              <a:cxn ang="0">
+                <a:pos x="connsiteX40" y="connsiteY40"/>
+              </a:cxn>
+              <a:cxn ang="0">
+                <a:pos x="connsiteX41" y="connsiteY41"/>
+              </a:cxn>
+              <a:cxn ang="0">
+                <a:pos x="connsiteX42" y="connsiteY42"/>
+              </a:cxn>
+              <a:cxn ang="0">
+                <a:pos x="connsiteX43" y="connsiteY43"/>
+              </a:cxn>
+              <a:cxn ang="0">
+                <a:pos x="connsiteX44" y="connsiteY44"/>
+              </a:cxn>
+              <a:cxn ang="0">
+                <a:pos x="connsiteX45" y="connsiteY45"/>
+              </a:cxn>
+              <a:cxn ang="0">
+                <a:pos x="connsiteX46" y="connsiteY46"/>
+              </a:cxn>
+              <a:cxn ang="0">
+                <a:pos x="connsiteX47" y="connsiteY47"/>
+              </a:cxn>
+              <a:cxn ang="0">
+                <a:pos x="connsiteX48" y="connsiteY48"/>
+              </a:cxn>
+              <a:cxn ang="0">
+                <a:pos x="connsiteX49" y="connsiteY49"/>
+              </a:cxn>
+              <a:cxn ang="0">
+                <a:pos x="connsiteX50" y="connsiteY50"/>
+              </a:cxn>
+              <a:cxn ang="0">
+                <a:pos x="connsiteX51" y="connsiteY51"/>
+              </a:cxn>
+              <a:cxn ang="0">
+                <a:pos x="connsiteX52" y="connsiteY52"/>
+              </a:cxn>
+              <a:cxn ang="0">
+                <a:pos x="connsiteX53" y="connsiteY53"/>
+              </a:cxn>
+              <a:cxn ang="0">
+                <a:pos x="connsiteX54" y="connsiteY54"/>
+              </a:cxn>
+            </a:cxnLst>
+            <a:rect l="l" t="t" r="r" b="b"/>
+            <a:pathLst>
+              <a:path w="9716622" h="7790540">
+                <a:moveTo>
+                  <a:pt x="8266027" y="4080486"/>
+                </a:moveTo>
+                <a:cubicBezTo>
+                  <a:pt x="8400461" y="3946052"/>
+                  <a:pt x="8579769" y="3856493"/>
+                  <a:pt x="8779555" y="3836204"/>
+                </a:cubicBezTo>
+                <a:lnTo>
+                  <a:pt x="8838187" y="3833243"/>
+                </a:lnTo>
+                <a:lnTo>
+                  <a:pt x="9713470" y="4649552"/>
+                </a:lnTo>
+                <a:lnTo>
+                  <a:pt x="9716622" y="4680819"/>
+                </a:lnTo>
+                <a:lnTo>
+                  <a:pt x="9716621" y="4680819"/>
+                </a:lnTo>
+                <a:lnTo>
+                  <a:pt x="9715270" y="4707562"/>
+                </a:lnTo>
+                <a:lnTo>
+                  <a:pt x="8952409" y="5525537"/>
+                </a:lnTo>
+                <a:lnTo>
+                  <a:pt x="8867622" y="5529818"/>
+                </a:lnTo>
+                <a:lnTo>
+                  <a:pt x="8866360" y="5529817"/>
+                </a:lnTo>
+                <a:cubicBezTo>
+                  <a:pt x="8426777" y="5529816"/>
+                  <a:pt x="8065221" y="5195736"/>
+                  <a:pt x="8021744" y="4767623"/>
+                </a:cubicBezTo>
+                <a:lnTo>
+                  <a:pt x="8017361" y="4680819"/>
+                </a:lnTo>
+                <a:lnTo>
+                  <a:pt x="8034610" y="4509716"/>
+                </a:lnTo>
+                <a:cubicBezTo>
+                  <a:pt x="8068538" y="4343913"/>
+                  <a:pt x="8150798" y="4195716"/>
+                  <a:pt x="8266027" y="4080486"/>
+                </a:cubicBezTo>
+                <a:close/>
+                <a:moveTo>
+                  <a:pt x="4186985" y="5286723"/>
+                </a:moveTo>
+                <a:cubicBezTo>
+                  <a:pt x="4340737" y="5132970"/>
+                  <a:pt x="4553145" y="5037872"/>
+                  <a:pt x="4787764" y="5037873"/>
+                </a:cubicBezTo>
+                <a:cubicBezTo>
+                  <a:pt x="5257002" y="5037872"/>
+                  <a:pt x="5637394" y="5418264"/>
+                  <a:pt x="5637394" y="5887502"/>
+                </a:cubicBezTo>
+                <a:lnTo>
+                  <a:pt x="5637394" y="6838123"/>
+                </a:lnTo>
+                <a:cubicBezTo>
+                  <a:pt x="5637394" y="7307360"/>
+                  <a:pt x="5257002" y="7687752"/>
+                  <a:pt x="4787764" y="7687752"/>
+                </a:cubicBezTo>
+                <a:cubicBezTo>
+                  <a:pt x="4318526" y="7687752"/>
+                  <a:pt x="3938133" y="7307361"/>
+                  <a:pt x="3938134" y="6838122"/>
+                </a:cubicBezTo>
+                <a:lnTo>
+                  <a:pt x="3938134" y="5887502"/>
+                </a:lnTo>
+                <a:cubicBezTo>
+                  <a:pt x="3938134" y="5652883"/>
+                  <a:pt x="4033232" y="5440476"/>
+                  <a:pt x="4186985" y="5286723"/>
+                </a:cubicBezTo>
+                <a:close/>
+                <a:moveTo>
+                  <a:pt x="6006308" y="1192166"/>
+                </a:moveTo>
+                <a:lnTo>
+                  <a:pt x="7705568" y="2776936"/>
+                </a:lnTo>
+                <a:lnTo>
+                  <a:pt x="7705568" y="6862454"/>
+                </a:lnTo>
+                <a:lnTo>
+                  <a:pt x="6840014" y="7790540"/>
+                </a:lnTo>
+                <a:lnTo>
+                  <a:pt x="6684708" y="7774884"/>
+                </a:lnTo>
+                <a:cubicBezTo>
+                  <a:pt x="6297545" y="7695659"/>
+                  <a:pt x="6006308" y="7353099"/>
+                  <a:pt x="6006308" y="6942515"/>
+                </a:cubicBezTo>
+                <a:close/>
+                <a:moveTo>
+                  <a:pt x="2171961" y="4648778"/>
+                </a:moveTo>
+                <a:cubicBezTo>
+                  <a:pt x="2325600" y="4495139"/>
+                  <a:pt x="2537849" y="4400111"/>
+                  <a:pt x="2772293" y="4400112"/>
+                </a:cubicBezTo>
+                <a:lnTo>
+                  <a:pt x="2773557" y="4400111"/>
+                </a:lnTo>
+                <a:cubicBezTo>
+                  <a:pt x="3242446" y="4400112"/>
+                  <a:pt x="3622556" y="4780221"/>
+                  <a:pt x="3622556" y="5249110"/>
+                </a:cubicBezTo>
+                <a:lnTo>
+                  <a:pt x="3622554" y="5249110"/>
+                </a:lnTo>
+                <a:cubicBezTo>
+                  <a:pt x="3622554" y="5717999"/>
+                  <a:pt x="3242444" y="6098109"/>
+                  <a:pt x="2773555" y="6098109"/>
+                </a:cubicBezTo>
+                <a:lnTo>
+                  <a:pt x="2772293" y="6098108"/>
+                </a:lnTo>
+                <a:cubicBezTo>
+                  <a:pt x="2332711" y="6098108"/>
+                  <a:pt x="1971155" y="5764028"/>
+                  <a:pt x="1927678" y="5335915"/>
+                </a:cubicBezTo>
+                <a:lnTo>
+                  <a:pt x="1923295" y="5249110"/>
+                </a:lnTo>
+                <a:lnTo>
+                  <a:pt x="1940544" y="5078008"/>
+                </a:lnTo>
+                <a:cubicBezTo>
+                  <a:pt x="1974472" y="4912204"/>
+                  <a:pt x="2056732" y="4764006"/>
+                  <a:pt x="2171961" y="4648778"/>
+                </a:cubicBezTo>
+                <a:close/>
+                <a:moveTo>
+                  <a:pt x="3991646" y="789567"/>
+                </a:moveTo>
+                <a:lnTo>
+                  <a:pt x="4728015" y="0"/>
+                </a:lnTo>
+                <a:lnTo>
+                  <a:pt x="5690905" y="898014"/>
+                </a:lnTo>
+                <a:lnTo>
+                  <a:pt x="5690905" y="3943786"/>
+                </a:lnTo>
+                <a:cubicBezTo>
+                  <a:pt x="5690905" y="4413024"/>
+                  <a:pt x="5310513" y="4793416"/>
+                  <a:pt x="4841275" y="4793416"/>
+                </a:cubicBezTo>
+                <a:cubicBezTo>
+                  <a:pt x="4372037" y="4793416"/>
+                  <a:pt x="3991645" y="4413024"/>
+                  <a:pt x="3991646" y="3943787"/>
+                </a:cubicBezTo>
+                <a:close/>
+                <a:moveTo>
+                  <a:pt x="1894189" y="3038554"/>
+                </a:moveTo>
+                <a:lnTo>
+                  <a:pt x="3593448" y="1216533"/>
+                </a:lnTo>
+                <a:lnTo>
+                  <a:pt x="3593448" y="3165064"/>
+                </a:lnTo>
+                <a:cubicBezTo>
+                  <a:pt x="3593449" y="3634302"/>
+                  <a:pt x="3213056" y="4014694"/>
+                  <a:pt x="2743819" y="4014694"/>
+                </a:cubicBezTo>
+                <a:cubicBezTo>
+                  <a:pt x="2274580" y="4014694"/>
+                  <a:pt x="1894188" y="3634302"/>
+                  <a:pt x="1894189" y="3165064"/>
+                </a:cubicBezTo>
+                <a:close/>
+                <a:moveTo>
+                  <a:pt x="0" y="5069587"/>
+                </a:moveTo>
+                <a:lnTo>
+                  <a:pt x="1699260" y="3247566"/>
+                </a:lnTo>
+                <a:lnTo>
+                  <a:pt x="1699260" y="6751545"/>
+                </a:lnTo>
+                <a:cubicBezTo>
+                  <a:pt x="1699261" y="7220782"/>
+                  <a:pt x="1318868" y="7601175"/>
+                  <a:pt x="849630" y="7601176"/>
+                </a:cubicBezTo>
+                <a:cubicBezTo>
+                  <a:pt x="380392" y="7601176"/>
+                  <a:pt x="0" y="7220783"/>
+                  <a:pt x="0" y="6751545"/>
+                </a:cubicBezTo>
+                <a:close/>
+              </a:path>
+            </a:pathLst>
+          </a:custGeom>
+          <a:blipFill dpi="0" rotWithShape="0">
+            <a:blip r:embed="rId2"/>
+            <a:srcRect/>
+            <a:stretch>
+              <a:fillRect/>
+            </a:stretch>
+          </a:blipFill>
+          <a:effectLst>
+            <a:innerShdw blurRad="673100" dist="381000" dir="13080000">
+              <a:schemeClr val="tx1">
+                <a:alpha val="40000"/>
+              </a:schemeClr>
+            </a:innerShdw>
+          </a:effectLst>
+        </p:spPr>
+        <p:style>
+          <a:lnRef idx="2">
+            <a:schemeClr val="accent1">
+              <a:shade val="50000"/>
+            </a:schemeClr>
+          </a:lnRef>
+          <a:fillRef idx="1">
+            <a:schemeClr val="accent1"/>
+          </a:fillRef>
+          <a:effectRef idx="0">
+            <a:schemeClr val="accent1"/>
+          </a:effectRef>
+          <a:fontRef idx="minor">
+            <a:schemeClr val="lt1"/>
+          </a:fontRef>
+        </p:style>
+        <p:txBody>
+          <a:bodyPr wrap="square" rtlCol="0" anchor="ctr">
+            <a:noAutofit/>
+          </a:bodyPr>
+          <a:lstStyle/>
+          <a:p>
+            <a:pPr algn="ctr"/>
+            <a:endParaRPr lang="en-GB">
+              <a:effectLst>
+                <a:outerShdw dist="152400" dir="3240000" algn="ctr" rotWithShape="0">
+                  <a:srgbClr val="000000">
+                    <a:alpha val="43137"/>
+                  </a:srgbClr>
+                </a:outerShdw>
+              </a:effectLst>
+            </a:endParaRPr>
+          </a:p>
+        </p:txBody>
+      </p:sp>
+      <p:sp>
+        <p:nvSpPr>
+          <p:cNvPr id="3" name="TextBox 2">
+            <a:extLst>
+              <a:ext uri="{FF2B5EF4-FFF2-40B4-BE49-F238E27FC236}">
+                <a16:creationId xmlns:a16="http://schemas.microsoft.com/office/drawing/2014/main" id="{79A97C62-BCC8-4546-BC8F-C1D808D2D72B}"/>
+              </a:ext>
+            </a:extLst>
+          </p:cNvPr>
+          <p:cNvSpPr txBox="1"/>
+          <p:nvPr/>
+        </p:nvSpPr>
+        <p:spPr>
+          <a:xfrm>
+            <a:off x="521840" y="622739"/>
+            <a:ext cx="2974164" cy="523220"/>
+          </a:xfrm>
+          <a:prstGeom prst="rect">
+            <a:avLst/>
+          </a:prstGeom>
+          <a:noFill/>
+        </p:spPr>
+        <p:txBody>
+          <a:bodyPr wrap="square" rtlCol="0">
+            <a:spAutoFit/>
+          </a:bodyPr>
+          <a:lstStyle/>
+          <a:p>
+            <a:r>
+              <a:rPr lang="en-GB" sz="2800" dirty="0">
+                <a:solidFill>
+                  <a:schemeClr val="tx2">
+                    <a:lumMod val="20000"/>
+                    <a:lumOff val="80000"/>
+                  </a:schemeClr>
+                </a:solidFill>
+              </a:rPr>
+              <a:t>Used programs:</a:t>
+            </a:r>
+          </a:p>
+        </p:txBody>
+      </p:sp>
+      <p:pic>
+        <p:nvPicPr>
+          <p:cNvPr id="22" name="Picture 21">
+            <a:extLst>
+              <a:ext uri="{FF2B5EF4-FFF2-40B4-BE49-F238E27FC236}">
+                <a16:creationId xmlns:a16="http://schemas.microsoft.com/office/drawing/2014/main" id="{5A714158-FD0F-4CFC-AAB8-BABFF2CEC12F}"/>
+              </a:ext>
+            </a:extLst>
+          </p:cNvPr>
+          <p:cNvPicPr>
+            <a:picLocks noChangeAspect="1"/>
+          </p:cNvPicPr>
+          <p:nvPr/>
+        </p:nvPicPr>
+        <p:blipFill>
+          <a:blip r:embed="rId3">
+            <a:extLst>
+              <a:ext uri="{BEBA8EAE-BF5A-486C-A8C5-ECC9F3942E4B}">
+                <a14:imgProps xmlns:a14="http://schemas.microsoft.com/office/drawing/2010/main">
+                  <a14:imgLayer r:embed="rId4">
+                    <a14:imgEffect>
+                      <a14:backgroundRemoval t="10000" b="90000" l="10000" r="90000"/>
+                    </a14:imgEffect>
+                  </a14:imgLayer>
+                </a14:imgProps>
+              </a:ext>
+              <a:ext uri="{28A0092B-C50C-407E-A947-70E740481C1C}">
+                <a14:useLocalDpi xmlns:a14="http://schemas.microsoft.com/office/drawing/2010/main" val="0"/>
+              </a:ext>
+            </a:extLst>
+          </a:blip>
+          <a:stretch>
+            <a:fillRect/>
+          </a:stretch>
+        </p:blipFill>
+        <p:spPr>
+          <a:xfrm>
+            <a:off x="461991" y="1383517"/>
+            <a:ext cx="1200239" cy="1200239"/>
+          </a:xfrm>
+          <a:prstGeom prst="rect">
+            <a:avLst/>
+          </a:prstGeom>
+        </p:spPr>
+      </p:pic>
+      <p:pic>
+        <p:nvPicPr>
+          <p:cNvPr id="20" name="Picture 19">
+            <a:extLst>
+              <a:ext uri="{FF2B5EF4-FFF2-40B4-BE49-F238E27FC236}">
+                <a16:creationId xmlns:a16="http://schemas.microsoft.com/office/drawing/2014/main" id="{48FB4F27-609F-422F-8EA2-3911A05951ED}"/>
+              </a:ext>
+            </a:extLst>
+          </p:cNvPr>
+          <p:cNvPicPr>
+            <a:picLocks noChangeAspect="1"/>
+          </p:cNvPicPr>
+          <p:nvPr/>
+        </p:nvPicPr>
+        <p:blipFill>
+          <a:blip r:embed="rId5">
+            <a:extLst>
+              <a:ext uri="{28A0092B-C50C-407E-A947-70E740481C1C}">
+                <a14:useLocalDpi xmlns:a14="http://schemas.microsoft.com/office/drawing/2010/main" val="0"/>
+              </a:ext>
+            </a:extLst>
+          </a:blip>
+          <a:stretch>
+            <a:fillRect/>
+          </a:stretch>
+        </p:blipFill>
+        <p:spPr>
+          <a:xfrm>
+            <a:off x="911728" y="4375061"/>
+            <a:ext cx="933581" cy="933581"/>
+          </a:xfrm>
+          <a:prstGeom prst="rect">
+            <a:avLst/>
+          </a:prstGeom>
+        </p:spPr>
+      </p:pic>
+      <p:pic>
+        <p:nvPicPr>
+          <p:cNvPr id="25" name="Picture 24">
+            <a:extLst>
+              <a:ext uri="{FF2B5EF4-FFF2-40B4-BE49-F238E27FC236}">
+                <a16:creationId xmlns:a16="http://schemas.microsoft.com/office/drawing/2014/main" id="{632A9DC5-7D96-4DC4-B056-03448791EB2C}"/>
+              </a:ext>
+            </a:extLst>
+          </p:cNvPr>
+          <p:cNvPicPr>
+            <a:picLocks noChangeAspect="1"/>
+          </p:cNvPicPr>
+          <p:nvPr/>
+        </p:nvPicPr>
+        <p:blipFill>
+          <a:blip r:embed="rId6">
+            <a:extLst>
+              <a:ext uri="{28A0092B-C50C-407E-A947-70E740481C1C}">
+                <a14:useLocalDpi xmlns:a14="http://schemas.microsoft.com/office/drawing/2010/main" val="0"/>
+              </a:ext>
+            </a:extLst>
+          </a:blip>
+          <a:stretch>
+            <a:fillRect/>
+          </a:stretch>
+        </p:blipFill>
+        <p:spPr>
+          <a:xfrm>
+            <a:off x="2274595" y="2283338"/>
+            <a:ext cx="776343" cy="722073"/>
+          </a:xfrm>
+          <a:prstGeom prst="rect">
+            <a:avLst/>
+          </a:prstGeom>
+        </p:spPr>
+      </p:pic>
+      <p:pic>
+        <p:nvPicPr>
+          <p:cNvPr id="27" name="Picture 26">
+            <a:extLst>
+              <a:ext uri="{FF2B5EF4-FFF2-40B4-BE49-F238E27FC236}">
+                <a16:creationId xmlns:a16="http://schemas.microsoft.com/office/drawing/2014/main" id="{4739272F-21EB-4923-BB66-F32F641A0A29}"/>
+              </a:ext>
+            </a:extLst>
+          </p:cNvPr>
+          <p:cNvPicPr>
+            <a:picLocks noChangeAspect="1"/>
+          </p:cNvPicPr>
+          <p:nvPr/>
+        </p:nvPicPr>
+        <p:blipFill>
+          <a:blip r:embed="rId7">
+            <a:extLst>
+              <a:ext uri="{BEBA8EAE-BF5A-486C-A8C5-ECC9F3942E4B}">
+                <a14:imgProps xmlns:a14="http://schemas.microsoft.com/office/drawing/2010/main">
+                  <a14:imgLayer r:embed="rId8">
+                    <a14:imgEffect>
+                      <a14:backgroundRemoval t="10000" b="90000" l="10000" r="90000"/>
+                    </a14:imgEffect>
+                  </a14:imgLayer>
+                </a14:imgProps>
+              </a:ext>
+              <a:ext uri="{28A0092B-C50C-407E-A947-70E740481C1C}">
+                <a14:useLocalDpi xmlns:a14="http://schemas.microsoft.com/office/drawing/2010/main" val="0"/>
+              </a:ext>
+            </a:extLst>
+          </a:blip>
+          <a:stretch>
+            <a:fillRect/>
+          </a:stretch>
+        </p:blipFill>
+        <p:spPr>
+          <a:xfrm>
+            <a:off x="5722903" y="3441480"/>
+            <a:ext cx="933581" cy="933581"/>
+          </a:xfrm>
+          <a:prstGeom prst="rect">
+            <a:avLst/>
+          </a:prstGeom>
+        </p:spPr>
+      </p:pic>
+      <p:pic>
+        <p:nvPicPr>
+          <p:cNvPr id="29" name="Picture 28">
+            <a:extLst>
+              <a:ext uri="{FF2B5EF4-FFF2-40B4-BE49-F238E27FC236}">
+                <a16:creationId xmlns:a16="http://schemas.microsoft.com/office/drawing/2014/main" id="{751BED3B-D260-4B2C-A5C3-F6E5D9FB2CDD}"/>
+              </a:ext>
+            </a:extLst>
+          </p:cNvPr>
+          <p:cNvPicPr>
+            <a:picLocks noChangeAspect="1"/>
+          </p:cNvPicPr>
+          <p:nvPr/>
+        </p:nvPicPr>
+        <p:blipFill>
+          <a:blip r:embed="rId9">
+            <a:extLst>
+              <a:ext uri="{BEBA8EAE-BF5A-486C-A8C5-ECC9F3942E4B}">
+                <a14:imgProps xmlns:a14="http://schemas.microsoft.com/office/drawing/2010/main">
+                  <a14:imgLayer r:embed="rId10">
+                    <a14:imgEffect>
+                      <a14:backgroundRemoval t="10000" b="90000" l="10000" r="90000"/>
+                    </a14:imgEffect>
+                  </a14:imgLayer>
+                </a14:imgProps>
+              </a:ext>
+              <a:ext uri="{28A0092B-C50C-407E-A947-70E740481C1C}">
+                <a14:useLocalDpi xmlns:a14="http://schemas.microsoft.com/office/drawing/2010/main" val="0"/>
+              </a:ext>
+            </a:extLst>
+          </a:blip>
+          <a:stretch>
+            <a:fillRect/>
+          </a:stretch>
+        </p:blipFill>
+        <p:spPr>
+          <a:xfrm>
+            <a:off x="3312517" y="3347345"/>
+            <a:ext cx="1449567" cy="1260493"/>
+          </a:xfrm>
+          <a:prstGeom prst="rect">
+            <a:avLst/>
+          </a:prstGeom>
+        </p:spPr>
+      </p:pic>
+      <p:pic>
+        <p:nvPicPr>
+          <p:cNvPr id="33" name="Picture 32">
+            <a:extLst>
+              <a:ext uri="{FF2B5EF4-FFF2-40B4-BE49-F238E27FC236}">
+                <a16:creationId xmlns:a16="http://schemas.microsoft.com/office/drawing/2014/main" id="{B85E4181-BF7F-4EE5-AC38-3E95D32900D7}"/>
+              </a:ext>
+            </a:extLst>
+          </p:cNvPr>
+          <p:cNvPicPr>
+            <a:picLocks noChangeAspect="1"/>
+          </p:cNvPicPr>
+          <p:nvPr/>
+        </p:nvPicPr>
+        <p:blipFill>
+          <a:blip r:embed="rId11">
+            <a:extLst>
+              <a:ext uri="{BEBA8EAE-BF5A-486C-A8C5-ECC9F3942E4B}">
+                <a14:imgProps xmlns:a14="http://schemas.microsoft.com/office/drawing/2010/main">
+                  <a14:imgLayer r:embed="rId12">
+                    <a14:imgEffect>
+                      <a14:backgroundRemoval t="10000" b="90000" l="10000" r="90000"/>
+                    </a14:imgEffect>
+                  </a14:imgLayer>
+                </a14:imgProps>
+              </a:ext>
+              <a:ext uri="{28A0092B-C50C-407E-A947-70E740481C1C}">
+                <a14:useLocalDpi xmlns:a14="http://schemas.microsoft.com/office/drawing/2010/main" val="0"/>
+              </a:ext>
+            </a:extLst>
+          </a:blip>
+          <a:stretch>
+            <a:fillRect/>
+          </a:stretch>
+        </p:blipFill>
+        <p:spPr>
+          <a:xfrm>
+            <a:off x="3270094" y="5399548"/>
+            <a:ext cx="1534412" cy="956306"/>
+          </a:xfrm>
+          <a:prstGeom prst="rect">
+            <a:avLst/>
+          </a:prstGeom>
+        </p:spPr>
+      </p:pic>
+    </p:spTree>
+    <p:extLst>
+      <p:ext uri="{BB962C8B-B14F-4D97-AF65-F5344CB8AC3E}">
+        <p14:creationId xmlns:p14="http://schemas.microsoft.com/office/powerpoint/2010/main" val="2561609358"/>
       </p:ext>
     </p:extLst>
   </p:cSld>

--- a/Presentation/cave.pptx
+++ b/Presentation/cave.pptx
@@ -9,6 +9,7 @@
     <p:sldId id="257" r:id="rId3"/>
     <p:sldId id="258" r:id="rId4"/>
     <p:sldId id="259" r:id="rId5"/>
+    <p:sldId id="260" r:id="rId6"/>
   </p:sldIdLst>
   <p:sldSz cx="12192000" cy="6858000"/>
   <p:notesSz cx="6858000" cy="9144000"/>
@@ -6784,6 +6785,714 @@
   <p:clrMapOvr>
     <a:masterClrMapping/>
   </p:clrMapOvr>
+  <mc:AlternateContent xmlns:mc="http://schemas.openxmlformats.org/markup-compatibility/2006" xmlns:p159="http://schemas.microsoft.com/office/powerpoint/2015/09/main">
+    <mc:Choice Requires="p159">
+      <p:transition xmlns:p14="http://schemas.microsoft.com/office/powerpoint/2010/main" spd="slow" p14:dur="2000">
+        <p159:morph option="byObject"/>
+      </p:transition>
+    </mc:Choice>
+    <mc:Fallback xmlns="">
+      <p:transition spd="slow">
+        <p:fade/>
+      </p:transition>
+    </mc:Fallback>
+  </mc:AlternateContent>
+</p:sld>
+</file>
+
+<file path=ppt/slides/slide5.xml><?xml version="1.0" encoding="utf-8"?>
+<p:sld xmlns:a="http://schemas.openxmlformats.org/drawingml/2006/main" xmlns:r="http://schemas.openxmlformats.org/officeDocument/2006/relationships" xmlns:p="http://schemas.openxmlformats.org/presentationml/2006/main">
+  <p:cSld>
+    <p:bg>
+      <p:bgPr>
+        <a:gradFill>
+          <a:gsLst>
+            <a:gs pos="86000">
+              <a:schemeClr val="accent1">
+                <a:lumMod val="75000"/>
+              </a:schemeClr>
+            </a:gs>
+            <a:gs pos="58000">
+              <a:schemeClr val="accent1">
+                <a:lumMod val="50000"/>
+              </a:schemeClr>
+            </a:gs>
+            <a:gs pos="100000">
+              <a:schemeClr val="accent1">
+                <a:lumMod val="60000"/>
+                <a:lumOff val="40000"/>
+              </a:schemeClr>
+            </a:gs>
+          </a:gsLst>
+          <a:lin ang="5400000" scaled="1"/>
+        </a:gradFill>
+        <a:effectLst/>
+      </p:bgPr>
+    </p:bg>
+    <p:spTree>
+      <p:nvGrpSpPr>
+        <p:cNvPr id="1" name=""/>
+        <p:cNvGrpSpPr/>
+        <p:nvPr/>
+      </p:nvGrpSpPr>
+      <p:grpSpPr>
+        <a:xfrm>
+          <a:off x="0" y="0"/>
+          <a:ext cx="0" cy="0"/>
+          <a:chOff x="0" y="0"/>
+          <a:chExt cx="0" cy="0"/>
+        </a:xfrm>
+      </p:grpSpPr>
+      <p:sp>
+        <p:nvSpPr>
+          <p:cNvPr id="18" name="Freeform: Shape 17">
+            <a:extLst>
+              <a:ext uri="{FF2B5EF4-FFF2-40B4-BE49-F238E27FC236}">
+                <a16:creationId xmlns:a16="http://schemas.microsoft.com/office/drawing/2014/main" id="{CFBDC640-52FA-44A8-A712-903930F72C26}"/>
+              </a:ext>
+            </a:extLst>
+          </p:cNvPr>
+          <p:cNvSpPr/>
+          <p:nvPr/>
+        </p:nvSpPr>
+        <p:spPr>
+          <a:xfrm rot="2819801">
+            <a:off x="4616439" y="-1120390"/>
+            <a:ext cx="9716622" cy="7790540"/>
+          </a:xfrm>
+          <a:custGeom>
+            <a:avLst/>
+            <a:gdLst>
+              <a:gd name="connsiteX0" fmla="*/ 8266027 w 9716622"/>
+              <a:gd name="connsiteY0" fmla="*/ 4080486 h 7790540"/>
+              <a:gd name="connsiteX1" fmla="*/ 8779555 w 9716622"/>
+              <a:gd name="connsiteY1" fmla="*/ 3836204 h 7790540"/>
+              <a:gd name="connsiteX2" fmla="*/ 8838187 w 9716622"/>
+              <a:gd name="connsiteY2" fmla="*/ 3833243 h 7790540"/>
+              <a:gd name="connsiteX3" fmla="*/ 9713470 w 9716622"/>
+              <a:gd name="connsiteY3" fmla="*/ 4649552 h 7790540"/>
+              <a:gd name="connsiteX4" fmla="*/ 9716622 w 9716622"/>
+              <a:gd name="connsiteY4" fmla="*/ 4680819 h 7790540"/>
+              <a:gd name="connsiteX5" fmla="*/ 9716621 w 9716622"/>
+              <a:gd name="connsiteY5" fmla="*/ 4680819 h 7790540"/>
+              <a:gd name="connsiteX6" fmla="*/ 9715270 w 9716622"/>
+              <a:gd name="connsiteY6" fmla="*/ 4707562 h 7790540"/>
+              <a:gd name="connsiteX7" fmla="*/ 8952409 w 9716622"/>
+              <a:gd name="connsiteY7" fmla="*/ 5525537 h 7790540"/>
+              <a:gd name="connsiteX8" fmla="*/ 8867622 w 9716622"/>
+              <a:gd name="connsiteY8" fmla="*/ 5529818 h 7790540"/>
+              <a:gd name="connsiteX9" fmla="*/ 8866360 w 9716622"/>
+              <a:gd name="connsiteY9" fmla="*/ 5529817 h 7790540"/>
+              <a:gd name="connsiteX10" fmla="*/ 8021744 w 9716622"/>
+              <a:gd name="connsiteY10" fmla="*/ 4767623 h 7790540"/>
+              <a:gd name="connsiteX11" fmla="*/ 8017361 w 9716622"/>
+              <a:gd name="connsiteY11" fmla="*/ 4680819 h 7790540"/>
+              <a:gd name="connsiteX12" fmla="*/ 8034610 w 9716622"/>
+              <a:gd name="connsiteY12" fmla="*/ 4509716 h 7790540"/>
+              <a:gd name="connsiteX13" fmla="*/ 8266027 w 9716622"/>
+              <a:gd name="connsiteY13" fmla="*/ 4080486 h 7790540"/>
+              <a:gd name="connsiteX14" fmla="*/ 4186985 w 9716622"/>
+              <a:gd name="connsiteY14" fmla="*/ 5286723 h 7790540"/>
+              <a:gd name="connsiteX15" fmla="*/ 4787764 w 9716622"/>
+              <a:gd name="connsiteY15" fmla="*/ 5037873 h 7790540"/>
+              <a:gd name="connsiteX16" fmla="*/ 5637394 w 9716622"/>
+              <a:gd name="connsiteY16" fmla="*/ 5887502 h 7790540"/>
+              <a:gd name="connsiteX17" fmla="*/ 5637394 w 9716622"/>
+              <a:gd name="connsiteY17" fmla="*/ 6838123 h 7790540"/>
+              <a:gd name="connsiteX18" fmla="*/ 4787764 w 9716622"/>
+              <a:gd name="connsiteY18" fmla="*/ 7687752 h 7790540"/>
+              <a:gd name="connsiteX19" fmla="*/ 3938134 w 9716622"/>
+              <a:gd name="connsiteY19" fmla="*/ 6838122 h 7790540"/>
+              <a:gd name="connsiteX20" fmla="*/ 3938134 w 9716622"/>
+              <a:gd name="connsiteY20" fmla="*/ 5887502 h 7790540"/>
+              <a:gd name="connsiteX21" fmla="*/ 4186985 w 9716622"/>
+              <a:gd name="connsiteY21" fmla="*/ 5286723 h 7790540"/>
+              <a:gd name="connsiteX22" fmla="*/ 6006308 w 9716622"/>
+              <a:gd name="connsiteY22" fmla="*/ 1192166 h 7790540"/>
+              <a:gd name="connsiteX23" fmla="*/ 7705568 w 9716622"/>
+              <a:gd name="connsiteY23" fmla="*/ 2776936 h 7790540"/>
+              <a:gd name="connsiteX24" fmla="*/ 7705568 w 9716622"/>
+              <a:gd name="connsiteY24" fmla="*/ 6862454 h 7790540"/>
+              <a:gd name="connsiteX25" fmla="*/ 6840014 w 9716622"/>
+              <a:gd name="connsiteY25" fmla="*/ 7790540 h 7790540"/>
+              <a:gd name="connsiteX26" fmla="*/ 6684708 w 9716622"/>
+              <a:gd name="connsiteY26" fmla="*/ 7774884 h 7790540"/>
+              <a:gd name="connsiteX27" fmla="*/ 6006308 w 9716622"/>
+              <a:gd name="connsiteY27" fmla="*/ 6942515 h 7790540"/>
+              <a:gd name="connsiteX28" fmla="*/ 2171961 w 9716622"/>
+              <a:gd name="connsiteY28" fmla="*/ 4648778 h 7790540"/>
+              <a:gd name="connsiteX29" fmla="*/ 2772293 w 9716622"/>
+              <a:gd name="connsiteY29" fmla="*/ 4400112 h 7790540"/>
+              <a:gd name="connsiteX30" fmla="*/ 2773557 w 9716622"/>
+              <a:gd name="connsiteY30" fmla="*/ 4400111 h 7790540"/>
+              <a:gd name="connsiteX31" fmla="*/ 3622556 w 9716622"/>
+              <a:gd name="connsiteY31" fmla="*/ 5249110 h 7790540"/>
+              <a:gd name="connsiteX32" fmla="*/ 3622554 w 9716622"/>
+              <a:gd name="connsiteY32" fmla="*/ 5249110 h 7790540"/>
+              <a:gd name="connsiteX33" fmla="*/ 2773555 w 9716622"/>
+              <a:gd name="connsiteY33" fmla="*/ 6098109 h 7790540"/>
+              <a:gd name="connsiteX34" fmla="*/ 2772293 w 9716622"/>
+              <a:gd name="connsiteY34" fmla="*/ 6098108 h 7790540"/>
+              <a:gd name="connsiteX35" fmla="*/ 1927678 w 9716622"/>
+              <a:gd name="connsiteY35" fmla="*/ 5335915 h 7790540"/>
+              <a:gd name="connsiteX36" fmla="*/ 1923295 w 9716622"/>
+              <a:gd name="connsiteY36" fmla="*/ 5249110 h 7790540"/>
+              <a:gd name="connsiteX37" fmla="*/ 1940544 w 9716622"/>
+              <a:gd name="connsiteY37" fmla="*/ 5078008 h 7790540"/>
+              <a:gd name="connsiteX38" fmla="*/ 2171961 w 9716622"/>
+              <a:gd name="connsiteY38" fmla="*/ 4648778 h 7790540"/>
+              <a:gd name="connsiteX39" fmla="*/ 3991646 w 9716622"/>
+              <a:gd name="connsiteY39" fmla="*/ 789567 h 7790540"/>
+              <a:gd name="connsiteX40" fmla="*/ 4728015 w 9716622"/>
+              <a:gd name="connsiteY40" fmla="*/ 0 h 7790540"/>
+              <a:gd name="connsiteX41" fmla="*/ 5690905 w 9716622"/>
+              <a:gd name="connsiteY41" fmla="*/ 898014 h 7790540"/>
+              <a:gd name="connsiteX42" fmla="*/ 5690905 w 9716622"/>
+              <a:gd name="connsiteY42" fmla="*/ 3943786 h 7790540"/>
+              <a:gd name="connsiteX43" fmla="*/ 4841275 w 9716622"/>
+              <a:gd name="connsiteY43" fmla="*/ 4793416 h 7790540"/>
+              <a:gd name="connsiteX44" fmla="*/ 3991646 w 9716622"/>
+              <a:gd name="connsiteY44" fmla="*/ 3943787 h 7790540"/>
+              <a:gd name="connsiteX45" fmla="*/ 1894189 w 9716622"/>
+              <a:gd name="connsiteY45" fmla="*/ 3038554 h 7790540"/>
+              <a:gd name="connsiteX46" fmla="*/ 3593448 w 9716622"/>
+              <a:gd name="connsiteY46" fmla="*/ 1216533 h 7790540"/>
+              <a:gd name="connsiteX47" fmla="*/ 3593448 w 9716622"/>
+              <a:gd name="connsiteY47" fmla="*/ 3165064 h 7790540"/>
+              <a:gd name="connsiteX48" fmla="*/ 2743819 w 9716622"/>
+              <a:gd name="connsiteY48" fmla="*/ 4014694 h 7790540"/>
+              <a:gd name="connsiteX49" fmla="*/ 1894189 w 9716622"/>
+              <a:gd name="connsiteY49" fmla="*/ 3165064 h 7790540"/>
+              <a:gd name="connsiteX50" fmla="*/ 0 w 9716622"/>
+              <a:gd name="connsiteY50" fmla="*/ 5069587 h 7790540"/>
+              <a:gd name="connsiteX51" fmla="*/ 1699260 w 9716622"/>
+              <a:gd name="connsiteY51" fmla="*/ 3247566 h 7790540"/>
+              <a:gd name="connsiteX52" fmla="*/ 1699260 w 9716622"/>
+              <a:gd name="connsiteY52" fmla="*/ 6751545 h 7790540"/>
+              <a:gd name="connsiteX53" fmla="*/ 849630 w 9716622"/>
+              <a:gd name="connsiteY53" fmla="*/ 7601176 h 7790540"/>
+              <a:gd name="connsiteX54" fmla="*/ 0 w 9716622"/>
+              <a:gd name="connsiteY54" fmla="*/ 6751545 h 7790540"/>
+            </a:gdLst>
+            <a:ahLst/>
+            <a:cxnLst>
+              <a:cxn ang="0">
+                <a:pos x="connsiteX0" y="connsiteY0"/>
+              </a:cxn>
+              <a:cxn ang="0">
+                <a:pos x="connsiteX1" y="connsiteY1"/>
+              </a:cxn>
+              <a:cxn ang="0">
+                <a:pos x="connsiteX2" y="connsiteY2"/>
+              </a:cxn>
+              <a:cxn ang="0">
+                <a:pos x="connsiteX3" y="connsiteY3"/>
+              </a:cxn>
+              <a:cxn ang="0">
+                <a:pos x="connsiteX4" y="connsiteY4"/>
+              </a:cxn>
+              <a:cxn ang="0">
+                <a:pos x="connsiteX5" y="connsiteY5"/>
+              </a:cxn>
+              <a:cxn ang="0">
+                <a:pos x="connsiteX6" y="connsiteY6"/>
+              </a:cxn>
+              <a:cxn ang="0">
+                <a:pos x="connsiteX7" y="connsiteY7"/>
+              </a:cxn>
+              <a:cxn ang="0">
+                <a:pos x="connsiteX8" y="connsiteY8"/>
+              </a:cxn>
+              <a:cxn ang="0">
+                <a:pos x="connsiteX9" y="connsiteY9"/>
+              </a:cxn>
+              <a:cxn ang="0">
+                <a:pos x="connsiteX10" y="connsiteY10"/>
+              </a:cxn>
+              <a:cxn ang="0">
+                <a:pos x="connsiteX11" y="connsiteY11"/>
+              </a:cxn>
+              <a:cxn ang="0">
+                <a:pos x="connsiteX12" y="connsiteY12"/>
+              </a:cxn>
+              <a:cxn ang="0">
+                <a:pos x="connsiteX13" y="connsiteY13"/>
+              </a:cxn>
+              <a:cxn ang="0">
+                <a:pos x="connsiteX14" y="connsiteY14"/>
+              </a:cxn>
+              <a:cxn ang="0">
+                <a:pos x="connsiteX15" y="connsiteY15"/>
+              </a:cxn>
+              <a:cxn ang="0">
+                <a:pos x="connsiteX16" y="connsiteY16"/>
+              </a:cxn>
+              <a:cxn ang="0">
+                <a:pos x="connsiteX17" y="connsiteY17"/>
+              </a:cxn>
+              <a:cxn ang="0">
+                <a:pos x="connsiteX18" y="connsiteY18"/>
+              </a:cxn>
+              <a:cxn ang="0">
+                <a:pos x="connsiteX19" y="connsiteY19"/>
+              </a:cxn>
+              <a:cxn ang="0">
+                <a:pos x="connsiteX20" y="connsiteY20"/>
+              </a:cxn>
+              <a:cxn ang="0">
+                <a:pos x="connsiteX21" y="connsiteY21"/>
+              </a:cxn>
+              <a:cxn ang="0">
+                <a:pos x="connsiteX22" y="connsiteY22"/>
+              </a:cxn>
+              <a:cxn ang="0">
+                <a:pos x="connsiteX23" y="connsiteY23"/>
+              </a:cxn>
+              <a:cxn ang="0">
+                <a:pos x="connsiteX24" y="connsiteY24"/>
+              </a:cxn>
+              <a:cxn ang="0">
+                <a:pos x="connsiteX25" y="connsiteY25"/>
+              </a:cxn>
+              <a:cxn ang="0">
+                <a:pos x="connsiteX26" y="connsiteY26"/>
+              </a:cxn>
+              <a:cxn ang="0">
+                <a:pos x="connsiteX27" y="connsiteY27"/>
+              </a:cxn>
+              <a:cxn ang="0">
+                <a:pos x="connsiteX28" y="connsiteY28"/>
+              </a:cxn>
+              <a:cxn ang="0">
+                <a:pos x="connsiteX29" y="connsiteY29"/>
+              </a:cxn>
+              <a:cxn ang="0">
+                <a:pos x="connsiteX30" y="connsiteY30"/>
+              </a:cxn>
+              <a:cxn ang="0">
+                <a:pos x="connsiteX31" y="connsiteY31"/>
+              </a:cxn>
+              <a:cxn ang="0">
+                <a:pos x="connsiteX32" y="connsiteY32"/>
+              </a:cxn>
+              <a:cxn ang="0">
+                <a:pos x="connsiteX33" y="connsiteY33"/>
+              </a:cxn>
+              <a:cxn ang="0">
+                <a:pos x="connsiteX34" y="connsiteY34"/>
+              </a:cxn>
+              <a:cxn ang="0">
+                <a:pos x="connsiteX35" y="connsiteY35"/>
+              </a:cxn>
+              <a:cxn ang="0">
+                <a:pos x="connsiteX36" y="connsiteY36"/>
+              </a:cxn>
+              <a:cxn ang="0">
+                <a:pos x="connsiteX37" y="connsiteY37"/>
+              </a:cxn>
+              <a:cxn ang="0">
+                <a:pos x="connsiteX38" y="connsiteY38"/>
+              </a:cxn>
+              <a:cxn ang="0">
+                <a:pos x="connsiteX39" y="connsiteY39"/>
+              </a:cxn>
+              <a:cxn ang="0">
+                <a:pos x="connsiteX40" y="connsiteY40"/>
+              </a:cxn>
+              <a:cxn ang="0">
+                <a:pos x="connsiteX41" y="connsiteY41"/>
+              </a:cxn>
+              <a:cxn ang="0">
+                <a:pos x="connsiteX42" y="connsiteY42"/>
+              </a:cxn>
+              <a:cxn ang="0">
+                <a:pos x="connsiteX43" y="connsiteY43"/>
+              </a:cxn>
+              <a:cxn ang="0">
+                <a:pos x="connsiteX44" y="connsiteY44"/>
+              </a:cxn>
+              <a:cxn ang="0">
+                <a:pos x="connsiteX45" y="connsiteY45"/>
+              </a:cxn>
+              <a:cxn ang="0">
+                <a:pos x="connsiteX46" y="connsiteY46"/>
+              </a:cxn>
+              <a:cxn ang="0">
+                <a:pos x="connsiteX47" y="connsiteY47"/>
+              </a:cxn>
+              <a:cxn ang="0">
+                <a:pos x="connsiteX48" y="connsiteY48"/>
+              </a:cxn>
+              <a:cxn ang="0">
+                <a:pos x="connsiteX49" y="connsiteY49"/>
+              </a:cxn>
+              <a:cxn ang="0">
+                <a:pos x="connsiteX50" y="connsiteY50"/>
+              </a:cxn>
+              <a:cxn ang="0">
+                <a:pos x="connsiteX51" y="connsiteY51"/>
+              </a:cxn>
+              <a:cxn ang="0">
+                <a:pos x="connsiteX52" y="connsiteY52"/>
+              </a:cxn>
+              <a:cxn ang="0">
+                <a:pos x="connsiteX53" y="connsiteY53"/>
+              </a:cxn>
+              <a:cxn ang="0">
+                <a:pos x="connsiteX54" y="connsiteY54"/>
+              </a:cxn>
+            </a:cxnLst>
+            <a:rect l="l" t="t" r="r" b="b"/>
+            <a:pathLst>
+              <a:path w="9716622" h="7790540">
+                <a:moveTo>
+                  <a:pt x="8266027" y="4080486"/>
+                </a:moveTo>
+                <a:cubicBezTo>
+                  <a:pt x="8400461" y="3946052"/>
+                  <a:pt x="8579769" y="3856493"/>
+                  <a:pt x="8779555" y="3836204"/>
+                </a:cubicBezTo>
+                <a:lnTo>
+                  <a:pt x="8838187" y="3833243"/>
+                </a:lnTo>
+                <a:lnTo>
+                  <a:pt x="9713470" y="4649552"/>
+                </a:lnTo>
+                <a:lnTo>
+                  <a:pt x="9716622" y="4680819"/>
+                </a:lnTo>
+                <a:lnTo>
+                  <a:pt x="9716621" y="4680819"/>
+                </a:lnTo>
+                <a:lnTo>
+                  <a:pt x="9715270" y="4707562"/>
+                </a:lnTo>
+                <a:lnTo>
+                  <a:pt x="8952409" y="5525537"/>
+                </a:lnTo>
+                <a:lnTo>
+                  <a:pt x="8867622" y="5529818"/>
+                </a:lnTo>
+                <a:lnTo>
+                  <a:pt x="8866360" y="5529817"/>
+                </a:lnTo>
+                <a:cubicBezTo>
+                  <a:pt x="8426777" y="5529816"/>
+                  <a:pt x="8065221" y="5195736"/>
+                  <a:pt x="8021744" y="4767623"/>
+                </a:cubicBezTo>
+                <a:lnTo>
+                  <a:pt x="8017361" y="4680819"/>
+                </a:lnTo>
+                <a:lnTo>
+                  <a:pt x="8034610" y="4509716"/>
+                </a:lnTo>
+                <a:cubicBezTo>
+                  <a:pt x="8068538" y="4343913"/>
+                  <a:pt x="8150798" y="4195716"/>
+                  <a:pt x="8266027" y="4080486"/>
+                </a:cubicBezTo>
+                <a:close/>
+                <a:moveTo>
+                  <a:pt x="4186985" y="5286723"/>
+                </a:moveTo>
+                <a:cubicBezTo>
+                  <a:pt x="4340737" y="5132970"/>
+                  <a:pt x="4553145" y="5037872"/>
+                  <a:pt x="4787764" y="5037873"/>
+                </a:cubicBezTo>
+                <a:cubicBezTo>
+                  <a:pt x="5257002" y="5037872"/>
+                  <a:pt x="5637394" y="5418264"/>
+                  <a:pt x="5637394" y="5887502"/>
+                </a:cubicBezTo>
+                <a:lnTo>
+                  <a:pt x="5637394" y="6838123"/>
+                </a:lnTo>
+                <a:cubicBezTo>
+                  <a:pt x="5637394" y="7307360"/>
+                  <a:pt x="5257002" y="7687752"/>
+                  <a:pt x="4787764" y="7687752"/>
+                </a:cubicBezTo>
+                <a:cubicBezTo>
+                  <a:pt x="4318526" y="7687752"/>
+                  <a:pt x="3938133" y="7307361"/>
+                  <a:pt x="3938134" y="6838122"/>
+                </a:cubicBezTo>
+                <a:lnTo>
+                  <a:pt x="3938134" y="5887502"/>
+                </a:lnTo>
+                <a:cubicBezTo>
+                  <a:pt x="3938134" y="5652883"/>
+                  <a:pt x="4033232" y="5440476"/>
+                  <a:pt x="4186985" y="5286723"/>
+                </a:cubicBezTo>
+                <a:close/>
+                <a:moveTo>
+                  <a:pt x="6006308" y="1192166"/>
+                </a:moveTo>
+                <a:lnTo>
+                  <a:pt x="7705568" y="2776936"/>
+                </a:lnTo>
+                <a:lnTo>
+                  <a:pt x="7705568" y="6862454"/>
+                </a:lnTo>
+                <a:lnTo>
+                  <a:pt x="6840014" y="7790540"/>
+                </a:lnTo>
+                <a:lnTo>
+                  <a:pt x="6684708" y="7774884"/>
+                </a:lnTo>
+                <a:cubicBezTo>
+                  <a:pt x="6297545" y="7695659"/>
+                  <a:pt x="6006308" y="7353099"/>
+                  <a:pt x="6006308" y="6942515"/>
+                </a:cubicBezTo>
+                <a:close/>
+                <a:moveTo>
+                  <a:pt x="2171961" y="4648778"/>
+                </a:moveTo>
+                <a:cubicBezTo>
+                  <a:pt x="2325600" y="4495139"/>
+                  <a:pt x="2537849" y="4400111"/>
+                  <a:pt x="2772293" y="4400112"/>
+                </a:cubicBezTo>
+                <a:lnTo>
+                  <a:pt x="2773557" y="4400111"/>
+                </a:lnTo>
+                <a:cubicBezTo>
+                  <a:pt x="3242446" y="4400112"/>
+                  <a:pt x="3622556" y="4780221"/>
+                  <a:pt x="3622556" y="5249110"/>
+                </a:cubicBezTo>
+                <a:lnTo>
+                  <a:pt x="3622554" y="5249110"/>
+                </a:lnTo>
+                <a:cubicBezTo>
+                  <a:pt x="3622554" y="5717999"/>
+                  <a:pt x="3242444" y="6098109"/>
+                  <a:pt x="2773555" y="6098109"/>
+                </a:cubicBezTo>
+                <a:lnTo>
+                  <a:pt x="2772293" y="6098108"/>
+                </a:lnTo>
+                <a:cubicBezTo>
+                  <a:pt x="2332711" y="6098108"/>
+                  <a:pt x="1971155" y="5764028"/>
+                  <a:pt x="1927678" y="5335915"/>
+                </a:cubicBezTo>
+                <a:lnTo>
+                  <a:pt x="1923295" y="5249110"/>
+                </a:lnTo>
+                <a:lnTo>
+                  <a:pt x="1940544" y="5078008"/>
+                </a:lnTo>
+                <a:cubicBezTo>
+                  <a:pt x="1974472" y="4912204"/>
+                  <a:pt x="2056732" y="4764006"/>
+                  <a:pt x="2171961" y="4648778"/>
+                </a:cubicBezTo>
+                <a:close/>
+                <a:moveTo>
+                  <a:pt x="3991646" y="789567"/>
+                </a:moveTo>
+                <a:lnTo>
+                  <a:pt x="4728015" y="0"/>
+                </a:lnTo>
+                <a:lnTo>
+                  <a:pt x="5690905" y="898014"/>
+                </a:lnTo>
+                <a:lnTo>
+                  <a:pt x="5690905" y="3943786"/>
+                </a:lnTo>
+                <a:cubicBezTo>
+                  <a:pt x="5690905" y="4413024"/>
+                  <a:pt x="5310513" y="4793416"/>
+                  <a:pt x="4841275" y="4793416"/>
+                </a:cubicBezTo>
+                <a:cubicBezTo>
+                  <a:pt x="4372037" y="4793416"/>
+                  <a:pt x="3991645" y="4413024"/>
+                  <a:pt x="3991646" y="3943787"/>
+                </a:cubicBezTo>
+                <a:close/>
+                <a:moveTo>
+                  <a:pt x="1894189" y="3038554"/>
+                </a:moveTo>
+                <a:lnTo>
+                  <a:pt x="3593448" y="1216533"/>
+                </a:lnTo>
+                <a:lnTo>
+                  <a:pt x="3593448" y="3165064"/>
+                </a:lnTo>
+                <a:cubicBezTo>
+                  <a:pt x="3593449" y="3634302"/>
+                  <a:pt x="3213056" y="4014694"/>
+                  <a:pt x="2743819" y="4014694"/>
+                </a:cubicBezTo>
+                <a:cubicBezTo>
+                  <a:pt x="2274580" y="4014694"/>
+                  <a:pt x="1894188" y="3634302"/>
+                  <a:pt x="1894189" y="3165064"/>
+                </a:cubicBezTo>
+                <a:close/>
+                <a:moveTo>
+                  <a:pt x="0" y="5069587"/>
+                </a:moveTo>
+                <a:lnTo>
+                  <a:pt x="1699260" y="3247566"/>
+                </a:lnTo>
+                <a:lnTo>
+                  <a:pt x="1699260" y="6751545"/>
+                </a:lnTo>
+                <a:cubicBezTo>
+                  <a:pt x="1699261" y="7220782"/>
+                  <a:pt x="1318868" y="7601175"/>
+                  <a:pt x="849630" y="7601176"/>
+                </a:cubicBezTo>
+                <a:cubicBezTo>
+                  <a:pt x="380392" y="7601176"/>
+                  <a:pt x="0" y="7220783"/>
+                  <a:pt x="0" y="6751545"/>
+                </a:cubicBezTo>
+                <a:close/>
+              </a:path>
+            </a:pathLst>
+          </a:custGeom>
+          <a:blipFill dpi="0" rotWithShape="0">
+            <a:blip r:embed="rId2"/>
+            <a:srcRect/>
+            <a:stretch>
+              <a:fillRect/>
+            </a:stretch>
+          </a:blipFill>
+          <a:effectLst>
+            <a:innerShdw blurRad="673100" dist="381000" dir="13080000">
+              <a:schemeClr val="tx1">
+                <a:alpha val="40000"/>
+              </a:schemeClr>
+            </a:innerShdw>
+          </a:effectLst>
+        </p:spPr>
+        <p:style>
+          <a:lnRef idx="2">
+            <a:schemeClr val="accent1">
+              <a:shade val="50000"/>
+            </a:schemeClr>
+          </a:lnRef>
+          <a:fillRef idx="1">
+            <a:schemeClr val="accent1"/>
+          </a:fillRef>
+          <a:effectRef idx="0">
+            <a:schemeClr val="accent1"/>
+          </a:effectRef>
+          <a:fontRef idx="minor">
+            <a:schemeClr val="lt1"/>
+          </a:fontRef>
+        </p:style>
+        <p:txBody>
+          <a:bodyPr wrap="square" rtlCol="0" anchor="ctr">
+            <a:noAutofit/>
+          </a:bodyPr>
+          <a:lstStyle/>
+          <a:p>
+            <a:pPr algn="ctr"/>
+            <a:endParaRPr lang="en-GB">
+              <a:effectLst>
+                <a:outerShdw dist="152400" dir="3240000" algn="ctr" rotWithShape="0">
+                  <a:srgbClr val="000000">
+                    <a:alpha val="43137"/>
+                  </a:srgbClr>
+                </a:outerShdw>
+              </a:effectLst>
+            </a:endParaRPr>
+          </a:p>
+        </p:txBody>
+      </p:sp>
+      <p:sp>
+        <p:nvSpPr>
+          <p:cNvPr id="6" name="TextBox 5">
+            <a:extLst>
+              <a:ext uri="{FF2B5EF4-FFF2-40B4-BE49-F238E27FC236}">
+                <a16:creationId xmlns:a16="http://schemas.microsoft.com/office/drawing/2014/main" id="{DA0C7D21-1A5F-4D77-BDA3-10DFC8010489}"/>
+              </a:ext>
+            </a:extLst>
+          </p:cNvPr>
+          <p:cNvSpPr txBox="1"/>
+          <p:nvPr/>
+        </p:nvSpPr>
+        <p:spPr>
+          <a:xfrm>
+            <a:off x="336144" y="3013501"/>
+            <a:ext cx="8228735" cy="830997"/>
+          </a:xfrm>
+          <a:prstGeom prst="rect">
+            <a:avLst/>
+          </a:prstGeom>
+          <a:noFill/>
+        </p:spPr>
+        <p:txBody>
+          <a:bodyPr wrap="square" rtlCol="0">
+            <a:spAutoFit/>
+          </a:bodyPr>
+          <a:lstStyle/>
+          <a:p>
+            <a:pPr algn="ctr"/>
+            <a:r>
+              <a:rPr lang="en-GB" sz="4800" dirty="0">
+                <a:ln>
+                  <a:gradFill>
+                    <a:gsLst>
+                      <a:gs pos="0">
+                        <a:schemeClr val="accent1">
+                          <a:lumMod val="50000"/>
+                        </a:schemeClr>
+                      </a:gs>
+                      <a:gs pos="0">
+                        <a:schemeClr val="accent1">
+                          <a:lumMod val="50000"/>
+                        </a:schemeClr>
+                      </a:gs>
+                      <a:gs pos="100000">
+                        <a:schemeClr val="accent1">
+                          <a:lumMod val="50000"/>
+                        </a:schemeClr>
+                      </a:gs>
+                      <a:gs pos="100000">
+                        <a:schemeClr val="accent1">
+                          <a:lumMod val="30000"/>
+                          <a:lumOff val="70000"/>
+                        </a:schemeClr>
+                      </a:gs>
+                    </a:gsLst>
+                    <a:lin ang="5400000" scaled="1"/>
+                  </a:gradFill>
+                </a:ln>
+                <a:solidFill>
+                  <a:srgbClr val="00B0F0"/>
+                </a:solidFill>
+                <a:effectLst>
+                  <a:outerShdw blurRad="50800" dist="50800" dir="5400000" algn="ctr" rotWithShape="0">
+                    <a:srgbClr val="000000"/>
+                  </a:outerShdw>
+                </a:effectLst>
+              </a:rPr>
+              <a:t>Now let`s check out the project</a:t>
+            </a:r>
+          </a:p>
+        </p:txBody>
+      </p:sp>
+    </p:spTree>
+    <p:extLst>
+      <p:ext uri="{BB962C8B-B14F-4D97-AF65-F5344CB8AC3E}">
+        <p14:creationId xmlns:p14="http://schemas.microsoft.com/office/powerpoint/2010/main" val="3523131874"/>
+      </p:ext>
+    </p:extLst>
+  </p:cSld>
+  <p:clrMapOvr>
+    <a:masterClrMapping/>
+  </p:clrMapOvr>
   <mc:AlternateContent xmlns:mc="http://schemas.openxmlformats.org/markup-compatibility/2006">
     <mc:Choice xmlns:p159="http://schemas.microsoft.com/office/powerpoint/2015/09/main" Requires="p159">
       <p:transition xmlns:p14="http://schemas.microsoft.com/office/powerpoint/2010/main" spd="slow" p14:dur="2000">
